--- a/PPT/Investigating Motor Skill Training and User Arousal Levels in VR  Pilot Study and Observations.pptx
+++ b/PPT/Investigating Motor Skill Training and User Arousal Levels in VR  Pilot Study and Observations.pptx
@@ -5,22 +5,16 @@
     <p:sldMasterId id="2147483648" r:id="rId1"/>
   </p:sldMasterIdLst>
   <p:notesMasterIdLst>
-    <p:notesMasterId r:id="rId15"/>
+    <p:notesMasterId r:id="rId9"/>
   </p:notesMasterIdLst>
   <p:sldIdLst>
     <p:sldId id="357" r:id="rId2"/>
     <p:sldId id="358" r:id="rId3"/>
-    <p:sldId id="411" r:id="rId4"/>
-    <p:sldId id="360" r:id="rId5"/>
-    <p:sldId id="399" r:id="rId6"/>
-    <p:sldId id="412" r:id="rId7"/>
-    <p:sldId id="413" r:id="rId8"/>
-    <p:sldId id="414" r:id="rId9"/>
-    <p:sldId id="385" r:id="rId10"/>
-    <p:sldId id="402" r:id="rId11"/>
-    <p:sldId id="415" r:id="rId12"/>
-    <p:sldId id="416" r:id="rId13"/>
-    <p:sldId id="396" r:id="rId14"/>
+    <p:sldId id="360" r:id="rId4"/>
+    <p:sldId id="385" r:id="rId5"/>
+    <p:sldId id="402" r:id="rId6"/>
+    <p:sldId id="396" r:id="rId7"/>
+    <p:sldId id="340" r:id="rId8"/>
   </p:sldIdLst>
   <p:sldSz cx="12192000" cy="6858000"/>
   <p:notesSz cx="6858000" cy="9144000"/>
@@ -209,7 +203,7 @@
           <a:p>
             <a:fld id="{DCBAB4F2-33EA-4871-9B9D-4FEB22A2D4CA}" type="datetimeFigureOut">
               <a:rPr lang="zh-CN" altLang="en-US" smtClean="0"/>
-              <a:t>2021/11/19</a:t>
+              <a:t>2021/11/26</a:t>
             </a:fld>
             <a:endParaRPr lang="zh-CN" altLang="en-US"/>
           </a:p>
@@ -563,258 +557,6 @@
 </p:notes>
 </file>
 
-<file path=ppt/notesSlides/notesSlide2.xml><?xml version="1.0" encoding="utf-8"?>
-<p:notes xmlns:a="http://schemas.openxmlformats.org/drawingml/2006/main" xmlns:r="http://schemas.openxmlformats.org/officeDocument/2006/relationships" xmlns:p="http://schemas.openxmlformats.org/presentationml/2006/main">
-  <p:cSld>
-    <p:spTree>
-      <p:nvGrpSpPr>
-        <p:cNvPr id="1" name=""/>
-        <p:cNvGrpSpPr/>
-        <p:nvPr/>
-      </p:nvGrpSpPr>
-      <p:grpSpPr>
-        <a:xfrm>
-          <a:off x="0" y="0"/>
-          <a:ext cx="0" cy="0"/>
-          <a:chOff x="0" y="0"/>
-          <a:chExt cx="0" cy="0"/>
-        </a:xfrm>
-      </p:grpSpPr>
-      <p:sp>
-        <p:nvSpPr>
-          <p:cNvPr id="2" name="幻灯片图像占位符 1"/>
-          <p:cNvSpPr>
-            <a:spLocks noGrp="1" noRot="1" noChangeAspect="1"/>
-          </p:cNvSpPr>
-          <p:nvPr>
-            <p:ph type="sldImg"/>
-          </p:nvPr>
-        </p:nvSpPr>
-        <p:spPr/>
-      </p:sp>
-      <p:sp>
-        <p:nvSpPr>
-          <p:cNvPr id="3" name="备注占位符 2"/>
-          <p:cNvSpPr>
-            <a:spLocks noGrp="1"/>
-          </p:cNvSpPr>
-          <p:nvPr>
-            <p:ph type="body" idx="1"/>
-          </p:nvPr>
-        </p:nvSpPr>
-        <p:spPr/>
-        <p:txBody>
-          <a:bodyPr/>
-          <a:lstStyle/>
-          <a:p>
-            <a:endParaRPr lang="zh-CN" altLang="en-US" dirty="0"/>
-          </a:p>
-        </p:txBody>
-      </p:sp>
-      <p:sp>
-        <p:nvSpPr>
-          <p:cNvPr id="4" name="灯片编号占位符 3"/>
-          <p:cNvSpPr>
-            <a:spLocks noGrp="1"/>
-          </p:cNvSpPr>
-          <p:nvPr>
-            <p:ph type="sldNum" sz="quarter" idx="5"/>
-          </p:nvPr>
-        </p:nvSpPr>
-        <p:spPr/>
-        <p:txBody>
-          <a:bodyPr/>
-          <a:lstStyle/>
-          <a:p>
-            <a:fld id="{D0B362CC-148B-445C-B291-3A65E9937E66}" type="slidenum">
-              <a:rPr lang="zh-CN" altLang="en-US" smtClean="0"/>
-              <a:t>6</a:t>
-            </a:fld>
-            <a:endParaRPr lang="zh-CN" altLang="en-US"/>
-          </a:p>
-        </p:txBody>
-      </p:sp>
-    </p:spTree>
-    <p:extLst>
-      <p:ext uri="{BB962C8B-B14F-4D97-AF65-F5344CB8AC3E}">
-        <p14:creationId xmlns:p14="http://schemas.microsoft.com/office/powerpoint/2010/main" val="3599838664"/>
-      </p:ext>
-    </p:extLst>
-  </p:cSld>
-  <p:clrMapOvr>
-    <a:masterClrMapping/>
-  </p:clrMapOvr>
-</p:notes>
-</file>
-
-<file path=ppt/notesSlides/notesSlide3.xml><?xml version="1.0" encoding="utf-8"?>
-<p:notes xmlns:a="http://schemas.openxmlformats.org/drawingml/2006/main" xmlns:r="http://schemas.openxmlformats.org/officeDocument/2006/relationships" xmlns:p="http://schemas.openxmlformats.org/presentationml/2006/main">
-  <p:cSld>
-    <p:spTree>
-      <p:nvGrpSpPr>
-        <p:cNvPr id="1" name=""/>
-        <p:cNvGrpSpPr/>
-        <p:nvPr/>
-      </p:nvGrpSpPr>
-      <p:grpSpPr>
-        <a:xfrm>
-          <a:off x="0" y="0"/>
-          <a:ext cx="0" cy="0"/>
-          <a:chOff x="0" y="0"/>
-          <a:chExt cx="0" cy="0"/>
-        </a:xfrm>
-      </p:grpSpPr>
-      <p:sp>
-        <p:nvSpPr>
-          <p:cNvPr id="2" name="幻灯片图像占位符 1"/>
-          <p:cNvSpPr>
-            <a:spLocks noGrp="1" noRot="1" noChangeAspect="1"/>
-          </p:cNvSpPr>
-          <p:nvPr>
-            <p:ph type="sldImg"/>
-          </p:nvPr>
-        </p:nvSpPr>
-        <p:spPr/>
-      </p:sp>
-      <p:sp>
-        <p:nvSpPr>
-          <p:cNvPr id="3" name="备注占位符 2"/>
-          <p:cNvSpPr>
-            <a:spLocks noGrp="1"/>
-          </p:cNvSpPr>
-          <p:nvPr>
-            <p:ph type="body" idx="1"/>
-          </p:nvPr>
-        </p:nvSpPr>
-        <p:spPr/>
-        <p:txBody>
-          <a:bodyPr/>
-          <a:lstStyle/>
-          <a:p>
-            <a:endParaRPr lang="zh-CN" altLang="en-US" dirty="0"/>
-          </a:p>
-        </p:txBody>
-      </p:sp>
-      <p:sp>
-        <p:nvSpPr>
-          <p:cNvPr id="4" name="灯片编号占位符 3"/>
-          <p:cNvSpPr>
-            <a:spLocks noGrp="1"/>
-          </p:cNvSpPr>
-          <p:nvPr>
-            <p:ph type="sldNum" sz="quarter" idx="5"/>
-          </p:nvPr>
-        </p:nvSpPr>
-        <p:spPr/>
-        <p:txBody>
-          <a:bodyPr/>
-          <a:lstStyle/>
-          <a:p>
-            <a:fld id="{D0B362CC-148B-445C-B291-3A65E9937E66}" type="slidenum">
-              <a:rPr lang="zh-CN" altLang="en-US" smtClean="0"/>
-              <a:t>7</a:t>
-            </a:fld>
-            <a:endParaRPr lang="zh-CN" altLang="en-US"/>
-          </a:p>
-        </p:txBody>
-      </p:sp>
-    </p:spTree>
-    <p:extLst>
-      <p:ext uri="{BB962C8B-B14F-4D97-AF65-F5344CB8AC3E}">
-        <p14:creationId xmlns:p14="http://schemas.microsoft.com/office/powerpoint/2010/main" val="927825027"/>
-      </p:ext>
-    </p:extLst>
-  </p:cSld>
-  <p:clrMapOvr>
-    <a:masterClrMapping/>
-  </p:clrMapOvr>
-</p:notes>
-</file>
-
-<file path=ppt/notesSlides/notesSlide4.xml><?xml version="1.0" encoding="utf-8"?>
-<p:notes xmlns:a="http://schemas.openxmlformats.org/drawingml/2006/main" xmlns:r="http://schemas.openxmlformats.org/officeDocument/2006/relationships" xmlns:p="http://schemas.openxmlformats.org/presentationml/2006/main">
-  <p:cSld>
-    <p:spTree>
-      <p:nvGrpSpPr>
-        <p:cNvPr id="1" name=""/>
-        <p:cNvGrpSpPr/>
-        <p:nvPr/>
-      </p:nvGrpSpPr>
-      <p:grpSpPr>
-        <a:xfrm>
-          <a:off x="0" y="0"/>
-          <a:ext cx="0" cy="0"/>
-          <a:chOff x="0" y="0"/>
-          <a:chExt cx="0" cy="0"/>
-        </a:xfrm>
-      </p:grpSpPr>
-      <p:sp>
-        <p:nvSpPr>
-          <p:cNvPr id="2" name="幻灯片图像占位符 1"/>
-          <p:cNvSpPr>
-            <a:spLocks noGrp="1" noRot="1" noChangeAspect="1"/>
-          </p:cNvSpPr>
-          <p:nvPr>
-            <p:ph type="sldImg"/>
-          </p:nvPr>
-        </p:nvSpPr>
-        <p:spPr/>
-      </p:sp>
-      <p:sp>
-        <p:nvSpPr>
-          <p:cNvPr id="3" name="备注占位符 2"/>
-          <p:cNvSpPr>
-            <a:spLocks noGrp="1"/>
-          </p:cNvSpPr>
-          <p:nvPr>
-            <p:ph type="body" idx="1"/>
-          </p:nvPr>
-        </p:nvSpPr>
-        <p:spPr/>
-        <p:txBody>
-          <a:bodyPr/>
-          <a:lstStyle/>
-          <a:p>
-            <a:endParaRPr lang="zh-CN" altLang="en-US" dirty="0"/>
-          </a:p>
-        </p:txBody>
-      </p:sp>
-      <p:sp>
-        <p:nvSpPr>
-          <p:cNvPr id="4" name="灯片编号占位符 3"/>
-          <p:cNvSpPr>
-            <a:spLocks noGrp="1"/>
-          </p:cNvSpPr>
-          <p:nvPr>
-            <p:ph type="sldNum" sz="quarter" idx="5"/>
-          </p:nvPr>
-        </p:nvSpPr>
-        <p:spPr/>
-        <p:txBody>
-          <a:bodyPr/>
-          <a:lstStyle/>
-          <a:p>
-            <a:fld id="{D0B362CC-148B-445C-B291-3A65E9937E66}" type="slidenum">
-              <a:rPr lang="zh-CN" altLang="en-US" smtClean="0"/>
-              <a:t>8</a:t>
-            </a:fld>
-            <a:endParaRPr lang="zh-CN" altLang="en-US"/>
-          </a:p>
-        </p:txBody>
-      </p:sp>
-    </p:spTree>
-    <p:extLst>
-      <p:ext uri="{BB962C8B-B14F-4D97-AF65-F5344CB8AC3E}">
-        <p14:creationId xmlns:p14="http://schemas.microsoft.com/office/powerpoint/2010/main" val="3527579782"/>
-      </p:ext>
-    </p:extLst>
-  </p:cSld>
-  <p:clrMapOvr>
-    <a:masterClrMapping/>
-  </p:clrMapOvr>
-</p:notes>
-</file>
-
 <file path=ppt/slideLayouts/slideLayout1.xml><?xml version="1.0" encoding="utf-8"?>
 <p:sldLayout xmlns:a="http://schemas.openxmlformats.org/drawingml/2006/main" xmlns:r="http://schemas.openxmlformats.org/officeDocument/2006/relationships" xmlns:p="http://schemas.openxmlformats.org/presentationml/2006/main" type="title" preserve="1">
   <p:cSld name="标题幻灯片">
@@ -944,7 +686,7 @@
           <a:p>
             <a:fld id="{D7BCFA10-CBB1-43E2-B9D5-30392500232E}" type="datetimeFigureOut">
               <a:rPr lang="zh-CN" altLang="en-US" smtClean="0"/>
-              <a:t>2021/11/19</a:t>
+              <a:t>2021/11/26</a:t>
             </a:fld>
             <a:endParaRPr lang="zh-CN" altLang="en-US"/>
           </a:p>
@@ -1107,7 +849,7 @@
           <a:p>
             <a:fld id="{D7BCFA10-CBB1-43E2-B9D5-30392500232E}" type="datetimeFigureOut">
               <a:rPr lang="zh-CN" altLang="en-US" smtClean="0"/>
-              <a:t>2021/11/19</a:t>
+              <a:t>2021/11/26</a:t>
             </a:fld>
             <a:endParaRPr lang="zh-CN" altLang="en-US"/>
           </a:p>
@@ -1280,7 +1022,7 @@
           <a:p>
             <a:fld id="{D7BCFA10-CBB1-43E2-B9D5-30392500232E}" type="datetimeFigureOut">
               <a:rPr lang="zh-CN" altLang="en-US" smtClean="0"/>
-              <a:t>2021/11/19</a:t>
+              <a:t>2021/11/26</a:t>
             </a:fld>
             <a:endParaRPr lang="zh-CN" altLang="en-US"/>
           </a:p>
@@ -1443,7 +1185,7 @@
           <a:p>
             <a:fld id="{D7BCFA10-CBB1-43E2-B9D5-30392500232E}" type="datetimeFigureOut">
               <a:rPr lang="zh-CN" altLang="en-US" smtClean="0"/>
-              <a:t>2021/11/19</a:t>
+              <a:t>2021/11/26</a:t>
             </a:fld>
             <a:endParaRPr lang="zh-CN" altLang="en-US"/>
           </a:p>
@@ -1683,7 +1425,7 @@
           <a:p>
             <a:fld id="{D7BCFA10-CBB1-43E2-B9D5-30392500232E}" type="datetimeFigureOut">
               <a:rPr lang="zh-CN" altLang="en-US" smtClean="0"/>
-              <a:t>2021/11/19</a:t>
+              <a:t>2021/11/26</a:t>
             </a:fld>
             <a:endParaRPr lang="zh-CN" altLang="en-US"/>
           </a:p>
@@ -1907,7 +1649,7 @@
           <a:p>
             <a:fld id="{D7BCFA10-CBB1-43E2-B9D5-30392500232E}" type="datetimeFigureOut">
               <a:rPr lang="zh-CN" altLang="en-US" smtClean="0"/>
-              <a:t>2021/11/19</a:t>
+              <a:t>2021/11/26</a:t>
             </a:fld>
             <a:endParaRPr lang="zh-CN" altLang="en-US"/>
           </a:p>
@@ -2266,7 +2008,7 @@
           <a:p>
             <a:fld id="{D7BCFA10-CBB1-43E2-B9D5-30392500232E}" type="datetimeFigureOut">
               <a:rPr lang="zh-CN" altLang="en-US" smtClean="0"/>
-              <a:t>2021/11/19</a:t>
+              <a:t>2021/11/26</a:t>
             </a:fld>
             <a:endParaRPr lang="zh-CN" altLang="en-US"/>
           </a:p>
@@ -2378,7 +2120,7 @@
           <a:p>
             <a:fld id="{D7BCFA10-CBB1-43E2-B9D5-30392500232E}" type="datetimeFigureOut">
               <a:rPr lang="zh-CN" altLang="en-US" smtClean="0"/>
-              <a:t>2021/11/19</a:t>
+              <a:t>2021/11/26</a:t>
             </a:fld>
             <a:endParaRPr lang="zh-CN" altLang="en-US"/>
           </a:p>
@@ -2468,7 +2210,7 @@
           <a:p>
             <a:fld id="{D7BCFA10-CBB1-43E2-B9D5-30392500232E}" type="datetimeFigureOut">
               <a:rPr lang="zh-CN" altLang="en-US" smtClean="0"/>
-              <a:t>2021/11/19</a:t>
+              <a:t>2021/11/26</a:t>
             </a:fld>
             <a:endParaRPr lang="zh-CN" altLang="en-US"/>
           </a:p>
@@ -2738,7 +2480,7 @@
           <a:p>
             <a:fld id="{D7BCFA10-CBB1-43E2-B9D5-30392500232E}" type="datetimeFigureOut">
               <a:rPr lang="zh-CN" altLang="en-US" smtClean="0"/>
-              <a:t>2021/11/19</a:t>
+              <a:t>2021/11/26</a:t>
             </a:fld>
             <a:endParaRPr lang="zh-CN" altLang="en-US"/>
           </a:p>
@@ -2985,7 +2727,7 @@
           <a:p>
             <a:fld id="{D7BCFA10-CBB1-43E2-B9D5-30392500232E}" type="datetimeFigureOut">
               <a:rPr lang="zh-CN" altLang="en-US" smtClean="0"/>
-              <a:t>2021/11/19</a:t>
+              <a:t>2021/11/26</a:t>
             </a:fld>
             <a:endParaRPr lang="zh-CN" altLang="en-US"/>
           </a:p>
@@ -3191,7 +2933,7 @@
           <a:p>
             <a:fld id="{D7BCFA10-CBB1-43E2-B9D5-30392500232E}" type="datetimeFigureOut">
               <a:rPr lang="zh-CN" altLang="en-US" smtClean="0"/>
-              <a:t>2021/11/19</a:t>
+              <a:t>2021/11/26</a:t>
             </a:fld>
             <a:endParaRPr lang="zh-CN" altLang="en-US"/>
           </a:p>
@@ -3683,620 +3425,6 @@
 </p:sld>
 </file>
 
-<file path=ppt/slides/slide10.xml><?xml version="1.0" encoding="utf-8"?>
-<p:sld xmlns:a="http://schemas.openxmlformats.org/drawingml/2006/main" xmlns:r="http://schemas.openxmlformats.org/officeDocument/2006/relationships" xmlns:p="http://schemas.openxmlformats.org/presentationml/2006/main">
-  <p:cSld>
-    <p:spTree>
-      <p:nvGrpSpPr>
-        <p:cNvPr id="1" name=""/>
-        <p:cNvGrpSpPr/>
-        <p:nvPr/>
-      </p:nvGrpSpPr>
-      <p:grpSpPr>
-        <a:xfrm>
-          <a:off x="0" y="0"/>
-          <a:ext cx="0" cy="0"/>
-          <a:chOff x="0" y="0"/>
-          <a:chExt cx="0" cy="0"/>
-        </a:xfrm>
-      </p:grpSpPr>
-      <p:sp>
-        <p:nvSpPr>
-          <p:cNvPr id="2" name="标题 1"/>
-          <p:cNvSpPr>
-            <a:spLocks noGrp="1"/>
-          </p:cNvSpPr>
-          <p:nvPr>
-            <p:ph type="title"/>
-          </p:nvPr>
-        </p:nvSpPr>
-        <p:spPr>
-          <a:xfrm>
-            <a:off x="402210" y="365125"/>
-            <a:ext cx="10951590" cy="1325563"/>
-          </a:xfrm>
-        </p:spPr>
-        <p:txBody>
-          <a:bodyPr/>
-          <a:lstStyle/>
-          <a:p>
-            <a:r>
-              <a:rPr lang="en-US" altLang="zh-CN">
-                <a:latin typeface="Times New Roman" panose="02020603050405020304" pitchFamily="18" charset="0"/>
-                <a:ea typeface="宋体" panose="02010600030101010101" pitchFamily="2" charset="-122"/>
-                <a:cs typeface="Times New Roman" panose="02020603050405020304" pitchFamily="18" charset="0"/>
-              </a:rPr>
-              <a:t>Results</a:t>
-            </a:r>
-            <a:endParaRPr lang="zh-CN" altLang="en-US" dirty="0">
-              <a:latin typeface="Times New Roman" panose="02020603050405020304" pitchFamily="18" charset="0"/>
-              <a:ea typeface="宋体" panose="02010600030101010101" pitchFamily="2" charset="-122"/>
-              <a:cs typeface="Times New Roman" panose="02020603050405020304" pitchFamily="18" charset="0"/>
-            </a:endParaRPr>
-          </a:p>
-        </p:txBody>
-      </p:sp>
-      <p:sp>
-        <p:nvSpPr>
-          <p:cNvPr id="3" name="内容占位符 2"/>
-          <p:cNvSpPr>
-            <a:spLocks noGrp="1"/>
-          </p:cNvSpPr>
-          <p:nvPr>
-            <p:ph idx="1"/>
-          </p:nvPr>
-        </p:nvSpPr>
-        <p:spPr>
-          <a:xfrm>
-            <a:off x="402210" y="1806771"/>
-            <a:ext cx="11387580" cy="4351338"/>
-          </a:xfrm>
-        </p:spPr>
-        <p:txBody>
-          <a:bodyPr>
-            <a:normAutofit/>
-          </a:bodyPr>
-          <a:lstStyle/>
-          <a:p>
-            <a:pPr marL="0" lvl="1" indent="0" fontAlgn="auto">
-              <a:lnSpc>
-                <a:spcPct val="150000"/>
-              </a:lnSpc>
-              <a:buNone/>
-            </a:pPr>
-            <a:r>
-              <a:rPr lang="en-US" altLang="zh-CN" dirty="0">
-                <a:latin typeface="Times New Roman" panose="02020603050405020304" pitchFamily="18" charset="0"/>
-                <a:ea typeface="宋体" panose="02010600030101010101" pitchFamily="2" charset="-122"/>
-                <a:cs typeface="Times New Roman" panose="02020603050405020304" pitchFamily="18" charset="0"/>
-                <a:sym typeface="+mn-ea"/>
-              </a:rPr>
-              <a:t>2. Perspective: The analysis of variance for the COV resulted in main significant effects for task (down, straight, environment) for all gait parameters.</a:t>
-            </a:r>
-          </a:p>
-        </p:txBody>
-      </p:sp>
-      <p:pic>
-        <p:nvPicPr>
-          <p:cNvPr id="6" name="图片 5" descr="图片包含 图表&#10;&#10;描述已自动生成">
-            <a:extLst>
-              <a:ext uri="{FF2B5EF4-FFF2-40B4-BE49-F238E27FC236}">
-                <a16:creationId xmlns:a16="http://schemas.microsoft.com/office/drawing/2014/main" id="{C4442908-5D52-4DA0-9854-838BBA7FA6C9}"/>
-              </a:ext>
-            </a:extLst>
-          </p:cNvPr>
-          <p:cNvPicPr>
-            <a:picLocks noChangeAspect="1"/>
-          </p:cNvPicPr>
-          <p:nvPr/>
-        </p:nvPicPr>
-        <p:blipFill>
-          <a:blip r:embed="rId2">
-            <a:extLst>
-              <a:ext uri="{28A0092B-C50C-407E-A947-70E740481C1C}">
-                <a14:useLocalDpi xmlns:a14="http://schemas.microsoft.com/office/drawing/2010/main" val="0"/>
-              </a:ext>
-            </a:extLst>
-          </a:blip>
-          <a:stretch>
-            <a:fillRect/>
-          </a:stretch>
-        </p:blipFill>
-        <p:spPr>
-          <a:xfrm>
-            <a:off x="874655" y="3429000"/>
-            <a:ext cx="10442689" cy="2351334"/>
-          </a:xfrm>
-          <a:prstGeom prst="rect">
-            <a:avLst/>
-          </a:prstGeom>
-        </p:spPr>
-      </p:pic>
-    </p:spTree>
-    <p:extLst>
-      <p:ext uri="{BB962C8B-B14F-4D97-AF65-F5344CB8AC3E}">
-        <p14:creationId xmlns:p14="http://schemas.microsoft.com/office/powerpoint/2010/main" val="3426182414"/>
-      </p:ext>
-    </p:extLst>
-  </p:cSld>
-  <p:clrMapOvr>
-    <a:masterClrMapping/>
-  </p:clrMapOvr>
-</p:sld>
-</file>
-
-<file path=ppt/slides/slide11.xml><?xml version="1.0" encoding="utf-8"?>
-<p:sld xmlns:a="http://schemas.openxmlformats.org/drawingml/2006/main" xmlns:r="http://schemas.openxmlformats.org/officeDocument/2006/relationships" xmlns:p="http://schemas.openxmlformats.org/presentationml/2006/main">
-  <p:cSld>
-    <p:spTree>
-      <p:nvGrpSpPr>
-        <p:cNvPr id="1" name=""/>
-        <p:cNvGrpSpPr/>
-        <p:nvPr/>
-      </p:nvGrpSpPr>
-      <p:grpSpPr>
-        <a:xfrm>
-          <a:off x="0" y="0"/>
-          <a:ext cx="0" cy="0"/>
-          <a:chOff x="0" y="0"/>
-          <a:chExt cx="0" cy="0"/>
-        </a:xfrm>
-      </p:grpSpPr>
-      <p:sp>
-        <p:nvSpPr>
-          <p:cNvPr id="2" name="标题 1"/>
-          <p:cNvSpPr>
-            <a:spLocks noGrp="1"/>
-          </p:cNvSpPr>
-          <p:nvPr>
-            <p:ph type="title"/>
-          </p:nvPr>
-        </p:nvSpPr>
-        <p:spPr>
-          <a:xfrm>
-            <a:off x="402210" y="365125"/>
-            <a:ext cx="10951590" cy="1325563"/>
-          </a:xfrm>
-        </p:spPr>
-        <p:txBody>
-          <a:bodyPr/>
-          <a:lstStyle/>
-          <a:p>
-            <a:r>
-              <a:rPr lang="en-US" altLang="zh-CN">
-                <a:latin typeface="Times New Roman" panose="02020603050405020304" pitchFamily="18" charset="0"/>
-                <a:ea typeface="宋体" panose="02010600030101010101" pitchFamily="2" charset="-122"/>
-                <a:cs typeface="Times New Roman" panose="02020603050405020304" pitchFamily="18" charset="0"/>
-              </a:rPr>
-              <a:t>Results</a:t>
-            </a:r>
-            <a:endParaRPr lang="zh-CN" altLang="en-US" dirty="0">
-              <a:latin typeface="Times New Roman" panose="02020603050405020304" pitchFamily="18" charset="0"/>
-              <a:ea typeface="宋体" panose="02010600030101010101" pitchFamily="2" charset="-122"/>
-              <a:cs typeface="Times New Roman" panose="02020603050405020304" pitchFamily="18" charset="0"/>
-            </a:endParaRPr>
-          </a:p>
-        </p:txBody>
-      </p:sp>
-      <p:sp>
-        <p:nvSpPr>
-          <p:cNvPr id="3" name="内容占位符 2"/>
-          <p:cNvSpPr>
-            <a:spLocks noGrp="1"/>
-          </p:cNvSpPr>
-          <p:nvPr>
-            <p:ph idx="1"/>
-          </p:nvPr>
-        </p:nvSpPr>
-        <p:spPr>
-          <a:xfrm>
-            <a:off x="402210" y="1806771"/>
-            <a:ext cx="11387580" cy="4351338"/>
-          </a:xfrm>
-        </p:spPr>
-        <p:txBody>
-          <a:bodyPr>
-            <a:normAutofit/>
-          </a:bodyPr>
-          <a:lstStyle/>
-          <a:p>
-            <a:pPr marL="0" lvl="1" indent="0" fontAlgn="auto">
-              <a:lnSpc>
-                <a:spcPct val="150000"/>
-              </a:lnSpc>
-              <a:buNone/>
-            </a:pPr>
-            <a:r>
-              <a:rPr lang="en-US" altLang="zh-CN" dirty="0">
-                <a:latin typeface="Times New Roman" panose="02020603050405020304" pitchFamily="18" charset="0"/>
-                <a:ea typeface="宋体" panose="02010600030101010101" pitchFamily="2" charset="-122"/>
-                <a:cs typeface="Times New Roman" panose="02020603050405020304" pitchFamily="18" charset="0"/>
-                <a:sym typeface="+mn-ea"/>
-              </a:rPr>
-              <a:t>3. Context:</a:t>
-            </a:r>
-            <a:r>
-              <a:rPr lang="zh-CN" altLang="en-US" dirty="0">
-                <a:latin typeface="Times New Roman" panose="02020603050405020304" pitchFamily="18" charset="0"/>
-                <a:ea typeface="宋体" panose="02010600030101010101" pitchFamily="2" charset="-122"/>
-                <a:cs typeface="Times New Roman" panose="02020603050405020304" pitchFamily="18" charset="0"/>
-                <a:sym typeface="+mn-ea"/>
-              </a:rPr>
-              <a:t> </a:t>
-            </a:r>
-            <a:r>
-              <a:rPr lang="en-US" altLang="zh-CN" dirty="0">
-                <a:latin typeface="Times New Roman" panose="02020603050405020304" pitchFamily="18" charset="0"/>
-                <a:ea typeface="宋体" panose="02010600030101010101" pitchFamily="2" charset="-122"/>
-                <a:cs typeface="Times New Roman" panose="02020603050405020304" pitchFamily="18" charset="0"/>
-                <a:sym typeface="+mn-ea"/>
-              </a:rPr>
-              <a:t>Results of the COV analysis revealed a significant main effect for condition (HUM, HUM + ENV) for stride time of down task.</a:t>
-            </a:r>
-          </a:p>
-        </p:txBody>
-      </p:sp>
-      <p:pic>
-        <p:nvPicPr>
-          <p:cNvPr id="5" name="图片 4" descr="图表&#10;&#10;低可信度描述已自动生成">
-            <a:extLst>
-              <a:ext uri="{FF2B5EF4-FFF2-40B4-BE49-F238E27FC236}">
-                <a16:creationId xmlns:a16="http://schemas.microsoft.com/office/drawing/2014/main" id="{1D0EA4F3-1C4E-4AC2-A80A-752FBDBEFBB0}"/>
-              </a:ext>
-            </a:extLst>
-          </p:cNvPr>
-          <p:cNvPicPr>
-            <a:picLocks noChangeAspect="1"/>
-          </p:cNvPicPr>
-          <p:nvPr/>
-        </p:nvPicPr>
-        <p:blipFill>
-          <a:blip r:embed="rId2">
-            <a:extLst>
-              <a:ext uri="{28A0092B-C50C-407E-A947-70E740481C1C}">
-                <a14:useLocalDpi xmlns:a14="http://schemas.microsoft.com/office/drawing/2010/main" val="0"/>
-              </a:ext>
-            </a:extLst>
-          </a:blip>
-          <a:stretch>
-            <a:fillRect/>
-          </a:stretch>
-        </p:blipFill>
-        <p:spPr>
-          <a:xfrm>
-            <a:off x="920760" y="3551633"/>
-            <a:ext cx="10350480" cy="2282177"/>
-          </a:xfrm>
-          <a:prstGeom prst="rect">
-            <a:avLst/>
-          </a:prstGeom>
-        </p:spPr>
-      </p:pic>
-    </p:spTree>
-    <p:extLst>
-      <p:ext uri="{BB962C8B-B14F-4D97-AF65-F5344CB8AC3E}">
-        <p14:creationId xmlns:p14="http://schemas.microsoft.com/office/powerpoint/2010/main" val="1095733640"/>
-      </p:ext>
-    </p:extLst>
-  </p:cSld>
-  <p:clrMapOvr>
-    <a:masterClrMapping/>
-  </p:clrMapOvr>
-</p:sld>
-</file>
-
-<file path=ppt/slides/slide12.xml><?xml version="1.0" encoding="utf-8"?>
-<p:sld xmlns:a="http://schemas.openxmlformats.org/drawingml/2006/main" xmlns:r="http://schemas.openxmlformats.org/officeDocument/2006/relationships" xmlns:p="http://schemas.openxmlformats.org/presentationml/2006/main">
-  <p:cSld>
-    <p:spTree>
-      <p:nvGrpSpPr>
-        <p:cNvPr id="1" name=""/>
-        <p:cNvGrpSpPr/>
-        <p:nvPr/>
-      </p:nvGrpSpPr>
-      <p:grpSpPr>
-        <a:xfrm>
-          <a:off x="0" y="0"/>
-          <a:ext cx="0" cy="0"/>
-          <a:chOff x="0" y="0"/>
-          <a:chExt cx="0" cy="0"/>
-        </a:xfrm>
-      </p:grpSpPr>
-      <p:sp>
-        <p:nvSpPr>
-          <p:cNvPr id="2" name="标题 1"/>
-          <p:cNvSpPr>
-            <a:spLocks noGrp="1"/>
-          </p:cNvSpPr>
-          <p:nvPr>
-            <p:ph type="title"/>
-          </p:nvPr>
-        </p:nvSpPr>
-        <p:spPr>
-          <a:xfrm>
-            <a:off x="402210" y="365125"/>
-            <a:ext cx="10951590" cy="1325563"/>
-          </a:xfrm>
-        </p:spPr>
-        <p:txBody>
-          <a:bodyPr/>
-          <a:lstStyle/>
-          <a:p>
-            <a:r>
-              <a:rPr lang="en-US" altLang="zh-CN">
-                <a:latin typeface="Times New Roman" panose="02020603050405020304" pitchFamily="18" charset="0"/>
-                <a:ea typeface="宋体" panose="02010600030101010101" pitchFamily="2" charset="-122"/>
-                <a:cs typeface="Times New Roman" panose="02020603050405020304" pitchFamily="18" charset="0"/>
-              </a:rPr>
-              <a:t>Results</a:t>
-            </a:r>
-            <a:endParaRPr lang="zh-CN" altLang="en-US" dirty="0">
-              <a:latin typeface="Times New Roman" panose="02020603050405020304" pitchFamily="18" charset="0"/>
-              <a:ea typeface="宋体" panose="02010600030101010101" pitchFamily="2" charset="-122"/>
-              <a:cs typeface="Times New Roman" panose="02020603050405020304" pitchFamily="18" charset="0"/>
-            </a:endParaRPr>
-          </a:p>
-        </p:txBody>
-      </p:sp>
-      <p:sp>
-        <p:nvSpPr>
-          <p:cNvPr id="3" name="内容占位符 2"/>
-          <p:cNvSpPr>
-            <a:spLocks noGrp="1"/>
-          </p:cNvSpPr>
-          <p:nvPr>
-            <p:ph idx="1"/>
-          </p:nvPr>
-        </p:nvSpPr>
-        <p:spPr>
-          <a:xfrm>
-            <a:off x="402210" y="1806771"/>
-            <a:ext cx="11387580" cy="4351338"/>
-          </a:xfrm>
-        </p:spPr>
-        <p:txBody>
-          <a:bodyPr>
-            <a:normAutofit/>
-          </a:bodyPr>
-          <a:lstStyle/>
-          <a:p>
-            <a:pPr marL="0" lvl="1" indent="0" fontAlgn="auto">
-              <a:lnSpc>
-                <a:spcPct val="150000"/>
-              </a:lnSpc>
-              <a:buNone/>
-            </a:pPr>
-            <a:r>
-              <a:rPr lang="en-US" altLang="zh-CN" dirty="0">
-                <a:latin typeface="Times New Roman" panose="02020603050405020304" pitchFamily="18" charset="0"/>
-                <a:ea typeface="宋体" panose="02010600030101010101" pitchFamily="2" charset="-122"/>
-                <a:cs typeface="Times New Roman" panose="02020603050405020304" pitchFamily="18" charset="0"/>
-                <a:sym typeface="+mn-ea"/>
-              </a:rPr>
-              <a:t>4. Avatar appearance: The conducted analysis of variance showed a main effect for task in terms of stride time, length as well as step width.</a:t>
-            </a:r>
-          </a:p>
-          <a:p>
-            <a:pPr marL="0" lvl="1" indent="0" fontAlgn="auto">
-              <a:lnSpc>
-                <a:spcPct val="150000"/>
-              </a:lnSpc>
-              <a:buNone/>
-            </a:pPr>
-            <a:r>
-              <a:rPr lang="en-US" altLang="zh-CN" dirty="0">
-                <a:latin typeface="Times New Roman" panose="02020603050405020304" pitchFamily="18" charset="0"/>
-                <a:ea typeface="宋体" panose="02010600030101010101" pitchFamily="2" charset="-122"/>
-                <a:cs typeface="Times New Roman" panose="02020603050405020304" pitchFamily="18" charset="0"/>
-                <a:sym typeface="+mn-ea"/>
-              </a:rPr>
-              <a:t>5. User Experience: </a:t>
-            </a:r>
-          </a:p>
-          <a:p>
-            <a:pPr marL="0" lvl="1" indent="0" fontAlgn="auto">
-              <a:lnSpc>
-                <a:spcPct val="150000"/>
-              </a:lnSpc>
-              <a:buNone/>
-            </a:pPr>
-            <a:r>
-              <a:rPr lang="en-US" altLang="zh-CN" dirty="0">
-                <a:latin typeface="Times New Roman" panose="02020603050405020304" pitchFamily="18" charset="0"/>
-                <a:ea typeface="宋体" panose="02010600030101010101" pitchFamily="2" charset="-122"/>
-                <a:cs typeface="Times New Roman" panose="02020603050405020304" pitchFamily="18" charset="0"/>
-                <a:sym typeface="+mn-ea"/>
-              </a:rPr>
-              <a:t> (1) There was significant differences between the two perspectives (HUM, EXO).</a:t>
-            </a:r>
-          </a:p>
-          <a:p>
-            <a:pPr marL="0" lvl="1" indent="0" fontAlgn="auto">
-              <a:lnSpc>
-                <a:spcPct val="150000"/>
-              </a:lnSpc>
-              <a:buNone/>
-            </a:pPr>
-            <a:r>
-              <a:rPr lang="en-US" altLang="zh-CN" dirty="0">
-                <a:latin typeface="Times New Roman" panose="02020603050405020304" pitchFamily="18" charset="0"/>
-                <a:ea typeface="宋体" panose="02010600030101010101" pitchFamily="2" charset="-122"/>
-                <a:cs typeface="Times New Roman" panose="02020603050405020304" pitchFamily="18" charset="0"/>
-                <a:sym typeface="+mn-ea"/>
-              </a:rPr>
-              <a:t> (2) For all subcategories HUM was rated highest and </a:t>
-            </a:r>
-            <a:r>
-              <a:rPr lang="en-US" altLang="zh-CN" dirty="0" err="1">
-                <a:latin typeface="Times New Roman" panose="02020603050405020304" pitchFamily="18" charset="0"/>
-                <a:ea typeface="宋体" panose="02010600030101010101" pitchFamily="2" charset="-122"/>
-                <a:cs typeface="Times New Roman" panose="02020603050405020304" pitchFamily="18" charset="0"/>
-                <a:sym typeface="+mn-ea"/>
-              </a:rPr>
-              <a:t>NoVis</a:t>
-            </a:r>
-            <a:r>
-              <a:rPr lang="en-US" altLang="zh-CN" dirty="0">
-                <a:latin typeface="Times New Roman" panose="02020603050405020304" pitchFamily="18" charset="0"/>
-                <a:ea typeface="宋体" panose="02010600030101010101" pitchFamily="2" charset="-122"/>
-                <a:cs typeface="Times New Roman" panose="02020603050405020304" pitchFamily="18" charset="0"/>
-                <a:sym typeface="+mn-ea"/>
-              </a:rPr>
-              <a:t> lowest.</a:t>
-            </a:r>
-          </a:p>
-        </p:txBody>
-      </p:sp>
-    </p:spTree>
-    <p:extLst>
-      <p:ext uri="{BB962C8B-B14F-4D97-AF65-F5344CB8AC3E}">
-        <p14:creationId xmlns:p14="http://schemas.microsoft.com/office/powerpoint/2010/main" val="4110940443"/>
-      </p:ext>
-    </p:extLst>
-  </p:cSld>
-  <p:clrMapOvr>
-    <a:masterClrMapping/>
-  </p:clrMapOvr>
-</p:sld>
-</file>
-
-<file path=ppt/slides/slide13.xml><?xml version="1.0" encoding="utf-8"?>
-<p:sld xmlns:a="http://schemas.openxmlformats.org/drawingml/2006/main" xmlns:r="http://schemas.openxmlformats.org/officeDocument/2006/relationships" xmlns:p="http://schemas.openxmlformats.org/presentationml/2006/main">
-  <p:cSld>
-    <p:spTree>
-      <p:nvGrpSpPr>
-        <p:cNvPr id="1" name=""/>
-        <p:cNvGrpSpPr/>
-        <p:nvPr/>
-      </p:nvGrpSpPr>
-      <p:grpSpPr>
-        <a:xfrm>
-          <a:off x="0" y="0"/>
-          <a:ext cx="0" cy="0"/>
-          <a:chOff x="0" y="0"/>
-          <a:chExt cx="0" cy="0"/>
-        </a:xfrm>
-      </p:grpSpPr>
-      <p:sp>
-        <p:nvSpPr>
-          <p:cNvPr id="2" name="标题 1"/>
-          <p:cNvSpPr>
-            <a:spLocks noGrp="1"/>
-          </p:cNvSpPr>
-          <p:nvPr>
-            <p:ph type="title"/>
-          </p:nvPr>
-        </p:nvSpPr>
-        <p:spPr>
-          <a:xfrm>
-            <a:off x="402210" y="365125"/>
-            <a:ext cx="10951590" cy="1325563"/>
-          </a:xfrm>
-        </p:spPr>
-        <p:txBody>
-          <a:bodyPr/>
-          <a:lstStyle/>
-          <a:p>
-            <a:r>
-              <a:rPr lang="en-US" altLang="zh-CN" dirty="0">
-                <a:latin typeface="Times New Roman" panose="02020603050405020304" pitchFamily="18" charset="0"/>
-                <a:ea typeface="宋体" panose="02010600030101010101" pitchFamily="2" charset="-122"/>
-                <a:cs typeface="Times New Roman" panose="02020603050405020304" pitchFamily="18" charset="0"/>
-              </a:rPr>
-              <a:t>Conclusion</a:t>
-            </a:r>
-            <a:endParaRPr lang="zh-CN" altLang="en-US" dirty="0">
-              <a:latin typeface="Times New Roman" panose="02020603050405020304" pitchFamily="18" charset="0"/>
-              <a:ea typeface="宋体" panose="02010600030101010101" pitchFamily="2" charset="-122"/>
-              <a:cs typeface="Times New Roman" panose="02020603050405020304" pitchFamily="18" charset="0"/>
-            </a:endParaRPr>
-          </a:p>
-        </p:txBody>
-      </p:sp>
-      <p:sp>
-        <p:nvSpPr>
-          <p:cNvPr id="3" name="内容占位符 2"/>
-          <p:cNvSpPr>
-            <a:spLocks noGrp="1"/>
-          </p:cNvSpPr>
-          <p:nvPr>
-            <p:ph idx="1"/>
-          </p:nvPr>
-        </p:nvSpPr>
-        <p:spPr>
-          <a:xfrm>
-            <a:off x="402210" y="1806771"/>
-            <a:ext cx="11387580" cy="4351338"/>
-          </a:xfrm>
-        </p:spPr>
-        <p:txBody>
-          <a:bodyPr>
-            <a:normAutofit/>
-          </a:bodyPr>
-          <a:lstStyle/>
-          <a:p>
-            <a:pPr marL="0" lvl="1" indent="0" fontAlgn="auto">
-              <a:lnSpc>
-                <a:spcPct val="150000"/>
-              </a:lnSpc>
-              <a:buNone/>
-            </a:pPr>
-            <a:r>
-              <a:rPr lang="en-US" altLang="zh-CN" dirty="0">
-                <a:latin typeface="Times New Roman" panose="02020603050405020304" pitchFamily="18" charset="0"/>
-                <a:ea typeface="宋体" panose="02010600030101010101" pitchFamily="2" charset="-122"/>
-                <a:cs typeface="Times New Roman" panose="02020603050405020304" pitchFamily="18" charset="0"/>
-                <a:sym typeface="+mn-ea"/>
-              </a:rPr>
-              <a:t>1. Results show that natural gait of participants was significantly different to the respective gait characteristics in VR.</a:t>
-            </a:r>
-          </a:p>
-          <a:p>
-            <a:pPr marL="0" lvl="1" indent="0" fontAlgn="auto">
-              <a:lnSpc>
-                <a:spcPct val="150000"/>
-              </a:lnSpc>
-              <a:buNone/>
-            </a:pPr>
-            <a:r>
-              <a:rPr lang="en-US" altLang="zh-CN" dirty="0">
-                <a:latin typeface="Times New Roman" panose="02020603050405020304" pitchFamily="18" charset="0"/>
-                <a:ea typeface="宋体" panose="02010600030101010101" pitchFamily="2" charset="-122"/>
-                <a:cs typeface="Times New Roman" panose="02020603050405020304" pitchFamily="18" charset="0"/>
-                <a:sym typeface="+mn-ea"/>
-              </a:rPr>
-              <a:t>2. Our results further suggest that particular care has to be taken when comparing gait data or results from subjects immersed in VR and that equivalence of characteristics with in vivo may not be blindly assumed.</a:t>
-            </a:r>
-          </a:p>
-          <a:p>
-            <a:pPr marL="0" lvl="1" indent="0" fontAlgn="auto">
-              <a:lnSpc>
-                <a:spcPct val="150000"/>
-              </a:lnSpc>
-              <a:buNone/>
-            </a:pPr>
-            <a:endParaRPr lang="en-US" altLang="zh-CN" dirty="0">
-              <a:latin typeface="Times New Roman" panose="02020603050405020304" pitchFamily="18" charset="0"/>
-              <a:ea typeface="宋体" panose="02010600030101010101" pitchFamily="2" charset="-122"/>
-              <a:cs typeface="Times New Roman" panose="02020603050405020304" pitchFamily="18" charset="0"/>
-              <a:sym typeface="+mn-ea"/>
-            </a:endParaRPr>
-          </a:p>
-        </p:txBody>
-      </p:sp>
-    </p:spTree>
-    <p:extLst>
-      <p:ext uri="{BB962C8B-B14F-4D97-AF65-F5344CB8AC3E}">
-        <p14:creationId xmlns:p14="http://schemas.microsoft.com/office/powerpoint/2010/main" val="52498974"/>
-      </p:ext>
-    </p:extLst>
-  </p:cSld>
-  <p:clrMapOvr>
-    <a:masterClrMapping/>
-  </p:clrMapOvr>
-</p:sld>
-</file>
-
 <file path=ppt/slides/slide2.xml><?xml version="1.0" encoding="utf-8"?>
 <p:sld xmlns:a="http://schemas.openxmlformats.org/drawingml/2006/main" xmlns:r="http://schemas.openxmlformats.org/officeDocument/2006/relationships" xmlns:p="http://schemas.openxmlformats.org/presentationml/2006/main">
   <p:cSld>
@@ -4385,7 +3513,7 @@
                 <a:cs typeface="Times New Roman" panose="02020603050405020304" pitchFamily="18" charset="0"/>
                 <a:sym typeface="+mn-ea"/>
               </a:rPr>
-              <a:t>1. Gait analysis is a well-established tool in the clinical environment to quantify and objectively describe patient walking movement.</a:t>
+              <a:t>1. Virtual Reality (VR) for skill training is seeing increasing interest from academia and industry thanks to the highly immersive and realistic training opportunities they offer.</a:t>
             </a:r>
           </a:p>
           <a:p>
@@ -4402,7 +3530,7 @@
                 <a:cs typeface="Times New Roman" panose="02020603050405020304" pitchFamily="18" charset="0"/>
                 <a:sym typeface="+mn-ea"/>
               </a:rPr>
-              <a:t>2. VR has become increasingly popular in terms of gait analysis and treatment in</a:t>
+              <a:t>2. There is a need for a closer examination of the link between the user’s arousal levels and training performance.</a:t>
             </a:r>
           </a:p>
           <a:p>
@@ -4419,24 +3547,7 @@
                 <a:cs typeface="Times New Roman" panose="02020603050405020304" pitchFamily="18" charset="0"/>
                 <a:sym typeface="+mn-ea"/>
               </a:rPr>
-              <a:t>research, as it allows to display immersive controllable environments.</a:t>
-            </a:r>
-          </a:p>
-          <a:p>
-            <a:pPr marL="0" lvl="1" indent="0">
-              <a:lnSpc>
-                <a:spcPct val="150000"/>
-              </a:lnSpc>
-              <a:buNone/>
-            </a:pPr>
-            <a:r>
-              <a:rPr lang="en-US" altLang="zh-CN" dirty="0">
-                <a:latin typeface="Times New Roman" panose="02020603050405020304" pitchFamily="18" charset="0"/>
-                <a:ea typeface="宋体" panose="02010600030101010101" pitchFamily="2" charset="-122"/>
-                <a:cs typeface="Times New Roman" panose="02020603050405020304" pitchFamily="18" charset="0"/>
-                <a:sym typeface="+mn-ea"/>
-              </a:rPr>
-              <a:t>3. However, training methods in VR are often transferred from the real world without considering effects of immersion on the user.</a:t>
+              <a:t>3. Objective bio-signal data also allows for a more fine-grained look at variations in arousal across tasks with varying difficulty levels.</a:t>
             </a:r>
           </a:p>
         </p:txBody>
@@ -4497,7 +3608,7 @@
                 <a:ea typeface="宋体" panose="02010600030101010101" pitchFamily="2" charset="-122"/>
                 <a:cs typeface="Times New Roman" panose="02020603050405020304" pitchFamily="18" charset="0"/>
               </a:rPr>
-              <a:t>Introduction</a:t>
+              <a:t>Method</a:t>
             </a:r>
             <a:endParaRPr lang="zh-CN" altLang="en-US" dirty="0">
               <a:latin typeface="Times New Roman" panose="02020603050405020304" pitchFamily="18" charset="0"/>
@@ -4520,7 +3631,7 @@
         <p:spPr>
           <a:xfrm>
             <a:off x="402210" y="1806771"/>
-            <a:ext cx="11211613" cy="4351338"/>
+            <a:ext cx="11387580" cy="4351338"/>
           </a:xfrm>
         </p:spPr>
         <p:txBody>
@@ -4542,16 +3653,17 @@
                 <a:cs typeface="Times New Roman" panose="02020603050405020304" pitchFamily="18" charset="0"/>
                 <a:sym typeface="+mn-ea"/>
               </a:rPr>
-              <a:t>4. In this paper, we assess differences between gait variability in VR compared to an in vivo situation in relation to different walking tasks.</a:t>
-            </a:r>
-          </a:p>
-          <a:p>
-            <a:pPr marL="0" lvl="1" indent="0" fontAlgn="auto">
-              <a:lnSpc>
-                <a:spcPct val="150000"/>
-              </a:lnSpc>
-              <a:buNone/>
-            </a:pPr>
+              <a:t>1. </a:t>
+            </a:r>
+            <a:r>
+              <a:rPr lang="en-US" altLang="zh-CN" dirty="0" err="1">
+                <a:latin typeface="Times New Roman" panose="02020603050405020304" pitchFamily="18" charset="0"/>
+                <a:ea typeface="宋体" panose="02010600030101010101" pitchFamily="2" charset="-122"/>
+                <a:cs typeface="Times New Roman" panose="02020603050405020304" pitchFamily="18" charset="0"/>
+                <a:sym typeface="+mn-ea"/>
+              </a:rPr>
+              <a:t>Buzzwire</a:t>
+            </a:r>
             <a:r>
               <a:rPr lang="en-US" altLang="zh-CN" dirty="0">
                 <a:latin typeface="Times New Roman" panose="02020603050405020304" pitchFamily="18" charset="0"/>
@@ -4559,7 +3671,7 @@
                 <a:cs typeface="Times New Roman" panose="02020603050405020304" pitchFamily="18" charset="0"/>
                 <a:sym typeface="+mn-ea"/>
               </a:rPr>
-              <a:t> (1) Avatar appearance.</a:t>
+              <a:t> game, Unity3D, Oculus controller, GSR and Polar H10, 12 participants.</a:t>
             </a:r>
           </a:p>
           <a:p>
@@ -4569,39 +3681,91 @@
               </a:lnSpc>
               <a:buNone/>
             </a:pPr>
-            <a:r>
-              <a:rPr lang="en-US" altLang="zh-CN" dirty="0">
-                <a:latin typeface="Times New Roman" panose="02020603050405020304" pitchFamily="18" charset="0"/>
-                <a:ea typeface="宋体" panose="02010600030101010101" pitchFamily="2" charset="-122"/>
-                <a:cs typeface="Times New Roman" panose="02020603050405020304" pitchFamily="18" charset="0"/>
-                <a:sym typeface="+mn-ea"/>
-              </a:rPr>
-              <a:t> (2) Virtual camera perspective.</a:t>
-            </a:r>
-          </a:p>
-          <a:p>
-            <a:pPr marL="0" lvl="1" indent="0" fontAlgn="auto">
-              <a:lnSpc>
-                <a:spcPct val="150000"/>
-              </a:lnSpc>
-              <a:buNone/>
-            </a:pPr>
-            <a:r>
-              <a:rPr lang="en-US" altLang="zh-CN" dirty="0">
-                <a:latin typeface="Times New Roman" panose="02020603050405020304" pitchFamily="18" charset="0"/>
-                <a:ea typeface="宋体" panose="02010600030101010101" pitchFamily="2" charset="-122"/>
-                <a:cs typeface="Times New Roman" panose="02020603050405020304" pitchFamily="18" charset="0"/>
-                <a:sym typeface="+mn-ea"/>
-              </a:rPr>
-              <a:t> (3) Environmental cues.</a:t>
-            </a:r>
-          </a:p>
-        </p:txBody>
-      </p:sp>
+            <a:endParaRPr lang="en-US" altLang="zh-CN" dirty="0">
+              <a:latin typeface="Times New Roman" panose="02020603050405020304" pitchFamily="18" charset="0"/>
+              <a:ea typeface="宋体" panose="02010600030101010101" pitchFamily="2" charset="-122"/>
+              <a:cs typeface="Times New Roman" panose="02020603050405020304" pitchFamily="18" charset="0"/>
+              <a:sym typeface="+mn-ea"/>
+            </a:endParaRPr>
+          </a:p>
+        </p:txBody>
+      </p:sp>
+      <p:pic>
+        <p:nvPicPr>
+          <p:cNvPr id="6" name="图片 5" descr="手机屏幕的截图&#10;&#10;中度可信度描述已自动生成">
+            <a:extLst>
+              <a:ext uri="{FF2B5EF4-FFF2-40B4-BE49-F238E27FC236}">
+                <a16:creationId xmlns:a16="http://schemas.microsoft.com/office/drawing/2014/main" id="{6B9843A5-2FB7-443C-8F75-563FBECAF674}"/>
+              </a:ext>
+            </a:extLst>
+          </p:cNvPr>
+          <p:cNvPicPr>
+            <a:picLocks noChangeAspect="1"/>
+          </p:cNvPicPr>
+          <p:nvPr/>
+        </p:nvPicPr>
+        <p:blipFill>
+          <a:blip r:embed="rId2">
+            <a:extLst>
+              <a:ext uri="{28A0092B-C50C-407E-A947-70E740481C1C}">
+                <a14:useLocalDpi xmlns:a14="http://schemas.microsoft.com/office/drawing/2010/main" val="0"/>
+              </a:ext>
+            </a:extLst>
+          </a:blip>
+          <a:stretch>
+            <a:fillRect/>
+          </a:stretch>
+        </p:blipFill>
+        <p:spPr>
+          <a:xfrm>
+            <a:off x="1846693" y="3019871"/>
+            <a:ext cx="8498613" cy="1736606"/>
+          </a:xfrm>
+          <a:prstGeom prst="rect">
+            <a:avLst/>
+          </a:prstGeom>
+        </p:spPr>
+      </p:pic>
+      <p:pic>
+        <p:nvPicPr>
+          <p:cNvPr id="8" name="图片 7" descr="图示&#10;&#10;描述已自动生成">
+            <a:extLst>
+              <a:ext uri="{FF2B5EF4-FFF2-40B4-BE49-F238E27FC236}">
+                <a16:creationId xmlns:a16="http://schemas.microsoft.com/office/drawing/2014/main" id="{3FE5501C-9DEF-4B6F-A624-7D2EAFC64B92}"/>
+              </a:ext>
+            </a:extLst>
+          </p:cNvPr>
+          <p:cNvPicPr>
+            <a:picLocks noChangeAspect="1"/>
+          </p:cNvPicPr>
+          <p:nvPr/>
+        </p:nvPicPr>
+        <p:blipFill>
+          <a:blip r:embed="rId3">
+            <a:extLst>
+              <a:ext uri="{28A0092B-C50C-407E-A947-70E740481C1C}">
+                <a14:useLocalDpi xmlns:a14="http://schemas.microsoft.com/office/drawing/2010/main" val="0"/>
+              </a:ext>
+            </a:extLst>
+          </a:blip>
+          <a:stretch>
+            <a:fillRect/>
+          </a:stretch>
+        </p:blipFill>
+        <p:spPr>
+          <a:xfrm>
+            <a:off x="3150164" y="4905599"/>
+            <a:ext cx="5891672" cy="1736605"/>
+          </a:xfrm>
+          <a:prstGeom prst="rect">
+            <a:avLst/>
+          </a:prstGeom>
+        </p:spPr>
+      </p:pic>
     </p:spTree>
     <p:extLst>
       <p:ext uri="{BB962C8B-B14F-4D97-AF65-F5344CB8AC3E}">
-        <p14:creationId xmlns:p14="http://schemas.microsoft.com/office/powerpoint/2010/main" val="815832280"/>
+        <p14:creationId xmlns:p14="http://schemas.microsoft.com/office/powerpoint/2010/main" val="2180570539"/>
       </p:ext>
     </p:extLst>
   </p:cSld>
@@ -4649,12 +3813,12 @@
           <a:lstStyle/>
           <a:p>
             <a:r>
-              <a:rPr lang="en-US" altLang="zh-CN" dirty="0">
+              <a:rPr lang="en-US" altLang="zh-CN">
                 <a:latin typeface="Times New Roman" panose="02020603050405020304" pitchFamily="18" charset="0"/>
                 <a:ea typeface="宋体" panose="02010600030101010101" pitchFamily="2" charset="-122"/>
                 <a:cs typeface="Times New Roman" panose="02020603050405020304" pitchFamily="18" charset="0"/>
               </a:rPr>
-              <a:t>Method</a:t>
+              <a:t>Results</a:t>
             </a:r>
             <a:endParaRPr lang="zh-CN" altLang="en-US" dirty="0">
               <a:latin typeface="Times New Roman" panose="02020603050405020304" pitchFamily="18" charset="0"/>
@@ -4699,62 +3863,17 @@
                 <a:cs typeface="Times New Roman" panose="02020603050405020304" pitchFamily="18" charset="0"/>
                 <a:sym typeface="+mn-ea"/>
               </a:rPr>
-              <a:t>1. 18 Participants (7 female, 11 male).</a:t>
-            </a:r>
-          </a:p>
-          <a:p>
-            <a:pPr marL="0" lvl="1" indent="0" fontAlgn="auto">
-              <a:lnSpc>
-                <a:spcPct val="150000"/>
-              </a:lnSpc>
-              <a:buNone/>
-            </a:pPr>
-            <a:r>
-              <a:rPr lang="en-US" altLang="zh-CN" dirty="0">
-                <a:latin typeface="Times New Roman" panose="02020603050405020304" pitchFamily="18" charset="0"/>
-                <a:ea typeface="宋体" panose="02010600030101010101" pitchFamily="2" charset="-122"/>
-                <a:cs typeface="Times New Roman" panose="02020603050405020304" pitchFamily="18" charset="0"/>
-                <a:sym typeface="+mn-ea"/>
-              </a:rPr>
-              <a:t>2. Apparatus: Treadmill, marker-based optical motion capture system, and HMD.</a:t>
-            </a:r>
-          </a:p>
-          <a:p>
-            <a:pPr marL="0" lvl="1" indent="0" fontAlgn="auto">
-              <a:lnSpc>
-                <a:spcPct val="150000"/>
-              </a:lnSpc>
-              <a:buNone/>
-            </a:pPr>
-            <a:endParaRPr lang="en-US" altLang="zh-CN" dirty="0">
-              <a:latin typeface="Times New Roman" panose="02020603050405020304" pitchFamily="18" charset="0"/>
-              <a:ea typeface="宋体" panose="02010600030101010101" pitchFamily="2" charset="-122"/>
-              <a:cs typeface="Times New Roman" panose="02020603050405020304" pitchFamily="18" charset="0"/>
-              <a:sym typeface="+mn-ea"/>
-            </a:endParaRPr>
-          </a:p>
-          <a:p>
-            <a:pPr marL="0" lvl="1" indent="0" fontAlgn="auto">
-              <a:lnSpc>
-                <a:spcPct val="150000"/>
-              </a:lnSpc>
-              <a:buNone/>
-            </a:pPr>
-            <a:endParaRPr lang="en-US" altLang="zh-CN" dirty="0">
-              <a:latin typeface="Times New Roman" panose="02020603050405020304" pitchFamily="18" charset="0"/>
-              <a:ea typeface="宋体" panose="02010600030101010101" pitchFamily="2" charset="-122"/>
-              <a:cs typeface="Times New Roman" panose="02020603050405020304" pitchFamily="18" charset="0"/>
-              <a:sym typeface="+mn-ea"/>
-            </a:endParaRPr>
+              <a:t>1. HR and skin conductance.</a:t>
+            </a:r>
           </a:p>
         </p:txBody>
       </p:sp>
       <p:pic>
         <p:nvPicPr>
-          <p:cNvPr id="5" name="图片 4" descr="图片包含 室内, 项目, 桌子, 男人&#10;&#10;描述已自动生成">
+          <p:cNvPr id="5" name="图片 4" descr="图表, 折线图&#10;&#10;描述已自动生成">
             <a:extLst>
               <a:ext uri="{FF2B5EF4-FFF2-40B4-BE49-F238E27FC236}">
-                <a16:creationId xmlns:a16="http://schemas.microsoft.com/office/drawing/2014/main" id="{7CA1582D-8D59-48F4-8F1A-44A762CFD27E}"/>
+                <a16:creationId xmlns:a16="http://schemas.microsoft.com/office/drawing/2014/main" id="{E9D47B10-CDEB-470B-83DE-A38560FD6850}"/>
               </a:ext>
             </a:extLst>
           </p:cNvPr>
@@ -4777,8 +3896,8 @@
         </p:blipFill>
         <p:spPr>
           <a:xfrm>
-            <a:off x="1842851" y="4168435"/>
-            <a:ext cx="8506297" cy="2489648"/>
+            <a:off x="2741210" y="2863441"/>
+            <a:ext cx="6709579" cy="3294668"/>
           </a:xfrm>
           <a:prstGeom prst="rect">
             <a:avLst/>
@@ -4788,7 +3907,7 @@
     </p:spTree>
     <p:extLst>
       <p:ext uri="{BB962C8B-B14F-4D97-AF65-F5344CB8AC3E}">
-        <p14:creationId xmlns:p14="http://schemas.microsoft.com/office/powerpoint/2010/main" val="2180570539"/>
+        <p14:creationId xmlns:p14="http://schemas.microsoft.com/office/powerpoint/2010/main" val="2416834745"/>
       </p:ext>
     </p:extLst>
   </p:cSld>
@@ -4836,12 +3955,12 @@
           <a:lstStyle/>
           <a:p>
             <a:r>
-              <a:rPr lang="en-US" altLang="zh-CN" dirty="0">
+              <a:rPr lang="en-US" altLang="zh-CN">
                 <a:latin typeface="Times New Roman" panose="02020603050405020304" pitchFamily="18" charset="0"/>
                 <a:ea typeface="宋体" panose="02010600030101010101" pitchFamily="2" charset="-122"/>
                 <a:cs typeface="Times New Roman" panose="02020603050405020304" pitchFamily="18" charset="0"/>
               </a:rPr>
-              <a:t>Method</a:t>
+              <a:t>Results</a:t>
             </a:r>
             <a:endParaRPr lang="zh-CN" altLang="en-US" dirty="0">
               <a:latin typeface="Times New Roman" panose="02020603050405020304" pitchFamily="18" charset="0"/>
@@ -4886,49 +4005,17 @@
                 <a:cs typeface="Times New Roman" panose="02020603050405020304" pitchFamily="18" charset="0"/>
                 <a:sym typeface="+mn-ea"/>
               </a:rPr>
-              <a:t>3. Virtual environment: Unity3D, jetty (</a:t>
-            </a:r>
-            <a:r>
-              <a:rPr lang="zh-CN" altLang="en-US" dirty="0">
-                <a:latin typeface="Times New Roman" panose="02020603050405020304" pitchFamily="18" charset="0"/>
-                <a:ea typeface="宋体" panose="02010600030101010101" pitchFamily="2" charset="-122"/>
-                <a:cs typeface="Times New Roman" panose="02020603050405020304" pitchFamily="18" charset="0"/>
-                <a:sym typeface="+mn-ea"/>
-              </a:rPr>
-              <a:t>防波堤</a:t>
-            </a:r>
-            <a:r>
-              <a:rPr lang="en-US" altLang="zh-CN" dirty="0">
-                <a:latin typeface="Times New Roman" panose="02020603050405020304" pitchFamily="18" charset="0"/>
-                <a:ea typeface="宋体" panose="02010600030101010101" pitchFamily="2" charset="-122"/>
-                <a:cs typeface="Times New Roman" panose="02020603050405020304" pitchFamily="18" charset="0"/>
-                <a:sym typeface="+mn-ea"/>
-              </a:rPr>
-              <a:t>) surrounded by water.</a:t>
-            </a:r>
-          </a:p>
-          <a:p>
-            <a:pPr marL="0" lvl="1" indent="0" fontAlgn="auto">
-              <a:lnSpc>
-                <a:spcPct val="150000"/>
-              </a:lnSpc>
-              <a:buNone/>
-            </a:pPr>
-            <a:endParaRPr lang="en-US" altLang="zh-CN" dirty="0">
-              <a:latin typeface="Times New Roman" panose="02020603050405020304" pitchFamily="18" charset="0"/>
-              <a:ea typeface="宋体" panose="02010600030101010101" pitchFamily="2" charset="-122"/>
-              <a:cs typeface="Times New Roman" panose="02020603050405020304" pitchFamily="18" charset="0"/>
-              <a:sym typeface="+mn-ea"/>
-            </a:endParaRPr>
+              <a:t>2. Count of Errors.</a:t>
+            </a:r>
           </a:p>
         </p:txBody>
       </p:sp>
       <p:pic>
         <p:nvPicPr>
-          <p:cNvPr id="5" name="图片 4" descr="海上的风景&#10;&#10;描述已自动生成">
+          <p:cNvPr id="5" name="图片 4" descr="图表, 折线图&#10;&#10;描述已自动生成">
             <a:extLst>
               <a:ext uri="{FF2B5EF4-FFF2-40B4-BE49-F238E27FC236}">
-                <a16:creationId xmlns:a16="http://schemas.microsoft.com/office/drawing/2014/main" id="{34EC8C19-1258-4FE6-A8FB-476F773EE8D3}"/>
+                <a16:creationId xmlns:a16="http://schemas.microsoft.com/office/drawing/2014/main" id="{17F05E19-B675-4E4D-A31E-EDFADF6E8394}"/>
               </a:ext>
             </a:extLst>
           </p:cNvPr>
@@ -4951,8 +4038,8 @@
         </p:blipFill>
         <p:spPr>
           <a:xfrm>
-            <a:off x="3214463" y="2672301"/>
-            <a:ext cx="5763074" cy="2620277"/>
+            <a:off x="2812502" y="3001576"/>
+            <a:ext cx="6566995" cy="3587760"/>
           </a:xfrm>
           <a:prstGeom prst="rect">
             <a:avLst/>
@@ -4962,7 +4049,7 @@
     </p:spTree>
     <p:extLst>
       <p:ext uri="{BB962C8B-B14F-4D97-AF65-F5344CB8AC3E}">
-        <p14:creationId xmlns:p14="http://schemas.microsoft.com/office/powerpoint/2010/main" val="30423439"/>
+        <p14:creationId xmlns:p14="http://schemas.microsoft.com/office/powerpoint/2010/main" val="3426182414"/>
       </p:ext>
     </p:extLst>
   </p:cSld>
@@ -5015,7 +4102,7 @@
                 <a:ea typeface="宋体" panose="02010600030101010101" pitchFamily="2" charset="-122"/>
                 <a:cs typeface="Times New Roman" panose="02020603050405020304" pitchFamily="18" charset="0"/>
               </a:rPr>
-              <a:t>Method</a:t>
+              <a:t>Conclusion</a:t>
             </a:r>
             <a:endParaRPr lang="zh-CN" altLang="en-US" dirty="0">
               <a:latin typeface="Times New Roman" panose="02020603050405020304" pitchFamily="18" charset="0"/>
@@ -5043,7 +4130,7 @@
         </p:spPr>
         <p:txBody>
           <a:bodyPr>
-            <a:normAutofit fontScale="92500" lnSpcReduction="10000"/>
+            <a:normAutofit/>
           </a:bodyPr>
           <a:lstStyle/>
           <a:p>
@@ -5060,7 +4147,7 @@
                 <a:cs typeface="Times New Roman" panose="02020603050405020304" pitchFamily="18" charset="0"/>
                 <a:sym typeface="+mn-ea"/>
               </a:rPr>
-              <a:t>4. Condition</a:t>
+              <a:t>1. The SC levels scaled up with the difficulty levels while the HR levels showed the opposite trend.</a:t>
             </a:r>
           </a:p>
           <a:p>
@@ -5077,343 +4164,7 @@
                 <a:cs typeface="Times New Roman" panose="02020603050405020304" pitchFamily="18" charset="0"/>
                 <a:sym typeface="+mn-ea"/>
               </a:rPr>
-              <a:t> (1) </a:t>
-            </a:r>
-            <a:r>
-              <a:rPr lang="it-IT" altLang="zh-CN" dirty="0">
-                <a:latin typeface="Times New Roman" panose="02020603050405020304" pitchFamily="18" charset="0"/>
-                <a:ea typeface="宋体" panose="02010600030101010101" pitchFamily="2" charset="-122"/>
-                <a:cs typeface="Times New Roman" panose="02020603050405020304" pitchFamily="18" charset="0"/>
-                <a:sym typeface="+mn-ea"/>
-              </a:rPr>
-              <a:t>In Vivo Baseline (in vivo)</a:t>
-            </a:r>
-            <a:r>
-              <a:rPr lang="en-US" altLang="zh-CN" dirty="0">
-                <a:latin typeface="Times New Roman" panose="02020603050405020304" pitchFamily="18" charset="0"/>
-                <a:ea typeface="宋体" panose="02010600030101010101" pitchFamily="2" charset="-122"/>
-                <a:cs typeface="Times New Roman" panose="02020603050405020304" pitchFamily="18" charset="0"/>
-                <a:sym typeface="+mn-ea"/>
-              </a:rPr>
-              <a:t>-</a:t>
-            </a:r>
-            <a:r>
-              <a:rPr lang="zh-CN" altLang="en-US" dirty="0">
-                <a:latin typeface="Times New Roman" panose="02020603050405020304" pitchFamily="18" charset="0"/>
-                <a:ea typeface="宋体" panose="02010600030101010101" pitchFamily="2" charset="-122"/>
-                <a:cs typeface="Times New Roman" panose="02020603050405020304" pitchFamily="18" charset="0"/>
-                <a:sym typeface="+mn-ea"/>
-              </a:rPr>
-              <a:t>真实场景</a:t>
-            </a:r>
-            <a:r>
-              <a:rPr lang="en-US" altLang="zh-CN" dirty="0">
-                <a:latin typeface="Times New Roman" panose="02020603050405020304" pitchFamily="18" charset="0"/>
-                <a:ea typeface="宋体" panose="02010600030101010101" pitchFamily="2" charset="-122"/>
-                <a:cs typeface="Times New Roman" panose="02020603050405020304" pitchFamily="18" charset="0"/>
-                <a:sym typeface="+mn-ea"/>
-              </a:rPr>
-              <a:t>.</a:t>
-            </a:r>
-          </a:p>
-          <a:p>
-            <a:pPr marL="0" lvl="1" indent="0" fontAlgn="auto">
-              <a:lnSpc>
-                <a:spcPct val="150000"/>
-              </a:lnSpc>
-              <a:buNone/>
-            </a:pPr>
-            <a:r>
-              <a:rPr lang="en-US" altLang="zh-CN" dirty="0">
-                <a:latin typeface="Times New Roman" panose="02020603050405020304" pitchFamily="18" charset="0"/>
-                <a:ea typeface="宋体" panose="02010600030101010101" pitchFamily="2" charset="-122"/>
-                <a:cs typeface="Times New Roman" panose="02020603050405020304" pitchFamily="18" charset="0"/>
-                <a:sym typeface="+mn-ea"/>
-              </a:rPr>
-              <a:t> (2) No Avatar (</a:t>
-            </a:r>
-            <a:r>
-              <a:rPr lang="en-US" altLang="zh-CN" dirty="0" err="1">
-                <a:latin typeface="Times New Roman" panose="02020603050405020304" pitchFamily="18" charset="0"/>
-                <a:ea typeface="宋体" panose="02010600030101010101" pitchFamily="2" charset="-122"/>
-                <a:cs typeface="Times New Roman" panose="02020603050405020304" pitchFamily="18" charset="0"/>
-                <a:sym typeface="+mn-ea"/>
-              </a:rPr>
-              <a:t>NoVis</a:t>
-            </a:r>
-            <a:r>
-              <a:rPr lang="en-US" altLang="zh-CN" dirty="0">
-                <a:latin typeface="Times New Roman" panose="02020603050405020304" pitchFamily="18" charset="0"/>
-                <a:ea typeface="宋体" panose="02010600030101010101" pitchFamily="2" charset="-122"/>
-                <a:cs typeface="Times New Roman" panose="02020603050405020304" pitchFamily="18" charset="0"/>
-                <a:sym typeface="+mn-ea"/>
-              </a:rPr>
-              <a:t>)-</a:t>
-            </a:r>
-            <a:r>
-              <a:rPr lang="zh-CN" altLang="en-US" dirty="0">
-                <a:latin typeface="Times New Roman" panose="02020603050405020304" pitchFamily="18" charset="0"/>
-                <a:ea typeface="宋体" panose="02010600030101010101" pitchFamily="2" charset="-122"/>
-                <a:cs typeface="Times New Roman" panose="02020603050405020304" pitchFamily="18" charset="0"/>
-                <a:sym typeface="+mn-ea"/>
-              </a:rPr>
-              <a:t>无人物模型</a:t>
-            </a:r>
-            <a:r>
-              <a:rPr lang="en-US" altLang="zh-CN" dirty="0">
-                <a:latin typeface="Times New Roman" panose="02020603050405020304" pitchFamily="18" charset="0"/>
-                <a:ea typeface="宋体" panose="02010600030101010101" pitchFamily="2" charset="-122"/>
-                <a:cs typeface="Times New Roman" panose="02020603050405020304" pitchFamily="18" charset="0"/>
-                <a:sym typeface="+mn-ea"/>
-              </a:rPr>
-              <a:t>.</a:t>
-            </a:r>
-          </a:p>
-          <a:p>
-            <a:pPr marL="0" lvl="1" indent="0" fontAlgn="auto">
-              <a:lnSpc>
-                <a:spcPct val="150000"/>
-              </a:lnSpc>
-              <a:buNone/>
-            </a:pPr>
-            <a:r>
-              <a:rPr lang="en-US" altLang="zh-CN" dirty="0">
-                <a:latin typeface="Times New Roman" panose="02020603050405020304" pitchFamily="18" charset="0"/>
-                <a:ea typeface="宋体" panose="02010600030101010101" pitchFamily="2" charset="-122"/>
-                <a:cs typeface="Times New Roman" panose="02020603050405020304" pitchFamily="18" charset="0"/>
-                <a:sym typeface="+mn-ea"/>
-              </a:rPr>
-              <a:t> (3) </a:t>
-            </a:r>
-            <a:r>
-              <a:rPr lang="en-US" altLang="zh-CN" dirty="0" err="1">
-                <a:latin typeface="Times New Roman" panose="02020603050405020304" pitchFamily="18" charset="0"/>
-                <a:ea typeface="宋体" panose="02010600030101010101" pitchFamily="2" charset="-122"/>
-                <a:cs typeface="Times New Roman" panose="02020603050405020304" pitchFamily="18" charset="0"/>
-                <a:sym typeface="+mn-ea"/>
-              </a:rPr>
-              <a:t>Pointcloud</a:t>
-            </a:r>
-            <a:r>
-              <a:rPr lang="en-US" altLang="zh-CN" dirty="0">
-                <a:latin typeface="Times New Roman" panose="02020603050405020304" pitchFamily="18" charset="0"/>
-                <a:ea typeface="宋体" panose="02010600030101010101" pitchFamily="2" charset="-122"/>
-                <a:cs typeface="Times New Roman" panose="02020603050405020304" pitchFamily="18" charset="0"/>
-                <a:sym typeface="+mn-ea"/>
-              </a:rPr>
-              <a:t> (PTC)-</a:t>
-            </a:r>
-            <a:r>
-              <a:rPr lang="zh-CN" altLang="en-US" dirty="0">
-                <a:latin typeface="Times New Roman" panose="02020603050405020304" pitchFamily="18" charset="0"/>
-                <a:ea typeface="宋体" panose="02010600030101010101" pitchFamily="2" charset="-122"/>
-                <a:cs typeface="Times New Roman" panose="02020603050405020304" pitchFamily="18" charset="0"/>
-                <a:sym typeface="+mn-ea"/>
-              </a:rPr>
-              <a:t>点云人物模型</a:t>
-            </a:r>
-            <a:r>
-              <a:rPr lang="en-US" altLang="zh-CN" dirty="0">
-                <a:latin typeface="Times New Roman" panose="02020603050405020304" pitchFamily="18" charset="0"/>
-                <a:ea typeface="宋体" panose="02010600030101010101" pitchFamily="2" charset="-122"/>
-                <a:cs typeface="Times New Roman" panose="02020603050405020304" pitchFamily="18" charset="0"/>
-                <a:sym typeface="+mn-ea"/>
-              </a:rPr>
-              <a:t>.</a:t>
-            </a:r>
-          </a:p>
-          <a:p>
-            <a:pPr marL="0" lvl="1" indent="0" fontAlgn="auto">
-              <a:lnSpc>
-                <a:spcPct val="150000"/>
-              </a:lnSpc>
-              <a:buNone/>
-            </a:pPr>
-            <a:r>
-              <a:rPr lang="en-US" altLang="zh-CN" dirty="0">
-                <a:latin typeface="Times New Roman" panose="02020603050405020304" pitchFamily="18" charset="0"/>
-                <a:ea typeface="宋体" panose="02010600030101010101" pitchFamily="2" charset="-122"/>
-                <a:cs typeface="Times New Roman" panose="02020603050405020304" pitchFamily="18" charset="0"/>
-                <a:sym typeface="+mn-ea"/>
-              </a:rPr>
-              <a:t> (4) Silhouette (SIL)-</a:t>
-            </a:r>
-            <a:r>
-              <a:rPr lang="zh-CN" altLang="en-US" dirty="0">
-                <a:latin typeface="Times New Roman" panose="02020603050405020304" pitchFamily="18" charset="0"/>
-                <a:ea typeface="宋体" panose="02010600030101010101" pitchFamily="2" charset="-122"/>
-                <a:cs typeface="Times New Roman" panose="02020603050405020304" pitchFamily="18" charset="0"/>
-                <a:sym typeface="+mn-ea"/>
-              </a:rPr>
-              <a:t>人物轮廓模型</a:t>
-            </a:r>
-            <a:r>
-              <a:rPr lang="en-US" altLang="zh-CN" dirty="0">
-                <a:latin typeface="Times New Roman" panose="02020603050405020304" pitchFamily="18" charset="0"/>
-                <a:ea typeface="宋体" panose="02010600030101010101" pitchFamily="2" charset="-122"/>
-                <a:cs typeface="Times New Roman" panose="02020603050405020304" pitchFamily="18" charset="0"/>
-                <a:sym typeface="+mn-ea"/>
-              </a:rPr>
-              <a:t>.</a:t>
-            </a:r>
-          </a:p>
-          <a:p>
-            <a:pPr marL="0" lvl="1" indent="0" fontAlgn="auto">
-              <a:lnSpc>
-                <a:spcPct val="150000"/>
-              </a:lnSpc>
-              <a:buNone/>
-            </a:pPr>
-            <a:r>
-              <a:rPr lang="en-US" altLang="zh-CN" dirty="0">
-                <a:latin typeface="Times New Roman" panose="02020603050405020304" pitchFamily="18" charset="0"/>
-                <a:ea typeface="宋体" panose="02010600030101010101" pitchFamily="2" charset="-122"/>
-                <a:cs typeface="Times New Roman" panose="02020603050405020304" pitchFamily="18" charset="0"/>
-                <a:sym typeface="+mn-ea"/>
-              </a:rPr>
-              <a:t> (5) Humanoid (HUM)-</a:t>
-            </a:r>
-            <a:r>
-              <a:rPr lang="zh-CN" altLang="en-US" dirty="0">
-                <a:latin typeface="Times New Roman" panose="02020603050405020304" pitchFamily="18" charset="0"/>
-                <a:ea typeface="宋体" panose="02010600030101010101" pitchFamily="2" charset="-122"/>
-                <a:cs typeface="Times New Roman" panose="02020603050405020304" pitchFamily="18" charset="0"/>
-                <a:sym typeface="+mn-ea"/>
-              </a:rPr>
-              <a:t>正常人物模型</a:t>
-            </a:r>
-            <a:r>
-              <a:rPr lang="en-US" altLang="zh-CN" dirty="0">
-                <a:latin typeface="Times New Roman" panose="02020603050405020304" pitchFamily="18" charset="0"/>
-                <a:ea typeface="宋体" panose="02010600030101010101" pitchFamily="2" charset="-122"/>
-                <a:cs typeface="Times New Roman" panose="02020603050405020304" pitchFamily="18" charset="0"/>
-                <a:sym typeface="+mn-ea"/>
-              </a:rPr>
-              <a:t>.</a:t>
-            </a:r>
-          </a:p>
-          <a:p>
-            <a:pPr marL="0" lvl="1" indent="0" fontAlgn="auto">
-              <a:lnSpc>
-                <a:spcPct val="150000"/>
-              </a:lnSpc>
-              <a:buNone/>
-            </a:pPr>
-            <a:r>
-              <a:rPr lang="en-US" altLang="zh-CN" dirty="0">
-                <a:latin typeface="Times New Roman" panose="02020603050405020304" pitchFamily="18" charset="0"/>
-                <a:ea typeface="宋体" panose="02010600030101010101" pitchFamily="2" charset="-122"/>
-                <a:cs typeface="Times New Roman" panose="02020603050405020304" pitchFamily="18" charset="0"/>
-                <a:sym typeface="+mn-ea"/>
-              </a:rPr>
-              <a:t> (6) Exocentric (EXO)-</a:t>
-            </a:r>
-            <a:r>
-              <a:rPr lang="zh-CN" altLang="en-US" dirty="0">
-                <a:latin typeface="Times New Roman" panose="02020603050405020304" pitchFamily="18" charset="0"/>
-                <a:ea typeface="宋体" panose="02010600030101010101" pitchFamily="2" charset="-122"/>
-                <a:cs typeface="Times New Roman" panose="02020603050405020304" pitchFamily="18" charset="0"/>
-                <a:sym typeface="+mn-ea"/>
-              </a:rPr>
-              <a:t>正常人物模型</a:t>
-            </a:r>
-            <a:r>
-              <a:rPr lang="en-US" altLang="zh-CN" dirty="0">
-                <a:latin typeface="Times New Roman" panose="02020603050405020304" pitchFamily="18" charset="0"/>
-                <a:ea typeface="宋体" panose="02010600030101010101" pitchFamily="2" charset="-122"/>
-                <a:cs typeface="Times New Roman" panose="02020603050405020304" pitchFamily="18" charset="0"/>
-                <a:sym typeface="+mn-ea"/>
-              </a:rPr>
-              <a:t>+</a:t>
-            </a:r>
-            <a:r>
-              <a:rPr lang="zh-CN" altLang="en-US" dirty="0">
-                <a:latin typeface="Times New Roman" panose="02020603050405020304" pitchFamily="18" charset="0"/>
-                <a:ea typeface="宋体" panose="02010600030101010101" pitchFamily="2" charset="-122"/>
-                <a:cs typeface="Times New Roman" panose="02020603050405020304" pitchFamily="18" charset="0"/>
-                <a:sym typeface="+mn-ea"/>
-              </a:rPr>
-              <a:t>越肩视角</a:t>
-            </a:r>
-            <a:r>
-              <a:rPr lang="en-US" altLang="zh-CN" dirty="0">
-                <a:latin typeface="Times New Roman" panose="02020603050405020304" pitchFamily="18" charset="0"/>
-                <a:ea typeface="宋体" panose="02010600030101010101" pitchFamily="2" charset="-122"/>
-                <a:cs typeface="Times New Roman" panose="02020603050405020304" pitchFamily="18" charset="0"/>
-                <a:sym typeface="+mn-ea"/>
-              </a:rPr>
-              <a:t>.</a:t>
-            </a:r>
-          </a:p>
-          <a:p>
-            <a:pPr marL="0" lvl="1" indent="0" fontAlgn="auto">
-              <a:lnSpc>
-                <a:spcPct val="150000"/>
-              </a:lnSpc>
-              <a:buNone/>
-            </a:pPr>
-            <a:r>
-              <a:rPr lang="en-US" altLang="zh-CN" dirty="0">
-                <a:latin typeface="Times New Roman" panose="02020603050405020304" pitchFamily="18" charset="0"/>
-                <a:ea typeface="宋体" panose="02010600030101010101" pitchFamily="2" charset="-122"/>
-                <a:cs typeface="Times New Roman" panose="02020603050405020304" pitchFamily="18" charset="0"/>
-                <a:sym typeface="+mn-ea"/>
-              </a:rPr>
-              <a:t> (7) Environment (HUM + ENV)-</a:t>
-            </a:r>
-            <a:r>
-              <a:rPr lang="zh-CN" altLang="en-US" dirty="0">
-                <a:latin typeface="Times New Roman" panose="02020603050405020304" pitchFamily="18" charset="0"/>
-                <a:ea typeface="宋体" panose="02010600030101010101" pitchFamily="2" charset="-122"/>
-                <a:cs typeface="Times New Roman" panose="02020603050405020304" pitchFamily="18" charset="0"/>
-                <a:sym typeface="+mn-ea"/>
-              </a:rPr>
-              <a:t>正常人物模型</a:t>
-            </a:r>
-            <a:r>
-              <a:rPr lang="en-US" altLang="zh-CN" dirty="0">
-                <a:latin typeface="Times New Roman" panose="02020603050405020304" pitchFamily="18" charset="0"/>
-                <a:ea typeface="宋体" panose="02010600030101010101" pitchFamily="2" charset="-122"/>
-                <a:cs typeface="Times New Roman" panose="02020603050405020304" pitchFamily="18" charset="0"/>
-                <a:sym typeface="+mn-ea"/>
-              </a:rPr>
-              <a:t>+</a:t>
-            </a:r>
-            <a:r>
-              <a:rPr lang="zh-CN" altLang="en-US" dirty="0">
-                <a:latin typeface="Times New Roman" panose="02020603050405020304" pitchFamily="18" charset="0"/>
-                <a:ea typeface="宋体" panose="02010600030101010101" pitchFamily="2" charset="-122"/>
-                <a:cs typeface="Times New Roman" panose="02020603050405020304" pitchFamily="18" charset="0"/>
-                <a:sym typeface="+mn-ea"/>
-              </a:rPr>
-              <a:t>越肩视角</a:t>
-            </a:r>
-            <a:r>
-              <a:rPr lang="en-US" altLang="zh-CN" dirty="0">
-                <a:latin typeface="Times New Roman" panose="02020603050405020304" pitchFamily="18" charset="0"/>
-                <a:ea typeface="宋体" panose="02010600030101010101" pitchFamily="2" charset="-122"/>
-                <a:cs typeface="Times New Roman" panose="02020603050405020304" pitchFamily="18" charset="0"/>
-                <a:sym typeface="+mn-ea"/>
-              </a:rPr>
-              <a:t>+</a:t>
-            </a:r>
-            <a:r>
-              <a:rPr lang="zh-CN" altLang="en-US" dirty="0">
-                <a:latin typeface="Times New Roman" panose="02020603050405020304" pitchFamily="18" charset="0"/>
-                <a:ea typeface="宋体" panose="02010600030101010101" pitchFamily="2" charset="-122"/>
-                <a:cs typeface="Times New Roman" panose="02020603050405020304" pitchFamily="18" charset="0"/>
-                <a:sym typeface="+mn-ea"/>
-              </a:rPr>
-              <a:t>棕榈、栏杆</a:t>
-            </a:r>
-            <a:r>
-              <a:rPr lang="en-US" altLang="zh-CN" dirty="0">
-                <a:latin typeface="Times New Roman" panose="02020603050405020304" pitchFamily="18" charset="0"/>
-                <a:ea typeface="宋体" panose="02010600030101010101" pitchFamily="2" charset="-122"/>
-                <a:cs typeface="Times New Roman" panose="02020603050405020304" pitchFamily="18" charset="0"/>
-                <a:sym typeface="+mn-ea"/>
-              </a:rPr>
-              <a:t>.</a:t>
+              <a:t>2. Further investigation with a larger sample of participants needs to be done to conclude the relation between arousal levels as measured by the bio-sensors and training performance.</a:t>
             </a:r>
           </a:p>
           <a:p>
@@ -5430,98 +4181,12 @@
               <a:sym typeface="+mn-ea"/>
             </a:endParaRPr>
           </a:p>
-          <a:p>
-            <a:pPr marL="0" lvl="1" indent="0" fontAlgn="auto">
-              <a:lnSpc>
-                <a:spcPct val="150000"/>
-              </a:lnSpc>
-              <a:buNone/>
-            </a:pPr>
-            <a:endParaRPr lang="en-US" altLang="zh-CN" dirty="0">
-              <a:latin typeface="Times New Roman" panose="02020603050405020304" pitchFamily="18" charset="0"/>
-              <a:ea typeface="宋体" panose="02010600030101010101" pitchFamily="2" charset="-122"/>
-              <a:cs typeface="Times New Roman" panose="02020603050405020304" pitchFamily="18" charset="0"/>
-              <a:sym typeface="+mn-ea"/>
-            </a:endParaRPr>
-          </a:p>
-        </p:txBody>
-      </p:sp>
-      <p:pic>
-        <p:nvPicPr>
-          <p:cNvPr id="6" name="图片 5" descr="一群人正在游泳&#10;&#10;描述已自动生成">
-            <a:extLst>
-              <a:ext uri="{FF2B5EF4-FFF2-40B4-BE49-F238E27FC236}">
-                <a16:creationId xmlns:a16="http://schemas.microsoft.com/office/drawing/2014/main" id="{7B0472F0-FE98-4CF0-8AF3-B8B32279E064}"/>
-              </a:ext>
-            </a:extLst>
-          </p:cNvPr>
-          <p:cNvPicPr>
-            <a:picLocks noChangeAspect="1"/>
-          </p:cNvPicPr>
-          <p:nvPr/>
-        </p:nvPicPr>
-        <p:blipFill>
-          <a:blip r:embed="rId3">
-            <a:extLst>
-              <a:ext uri="{28A0092B-C50C-407E-A947-70E740481C1C}">
-                <a14:useLocalDpi xmlns:a14="http://schemas.microsoft.com/office/drawing/2010/main" val="0"/>
-              </a:ext>
-            </a:extLst>
-          </a:blip>
-          <a:stretch>
-            <a:fillRect/>
-          </a:stretch>
-        </p:blipFill>
-        <p:spPr>
-          <a:xfrm>
-            <a:off x="5671335" y="2420396"/>
-            <a:ext cx="6190374" cy="2428175"/>
-          </a:xfrm>
-          <a:prstGeom prst="rect">
-            <a:avLst/>
-          </a:prstGeom>
-        </p:spPr>
-      </p:pic>
-      <p:pic>
-        <p:nvPicPr>
-          <p:cNvPr id="8" name="图片 7" descr="水上有蓝色的卡通人物&#10;&#10;中度可信度描述已自动生成">
-            <a:extLst>
-              <a:ext uri="{FF2B5EF4-FFF2-40B4-BE49-F238E27FC236}">
-                <a16:creationId xmlns:a16="http://schemas.microsoft.com/office/drawing/2014/main" id="{22119F80-E48C-48E6-B276-3E5B3F50C4E6}"/>
-              </a:ext>
-            </a:extLst>
-          </p:cNvPr>
-          <p:cNvPicPr>
-            <a:picLocks noChangeAspect="1"/>
-          </p:cNvPicPr>
-          <p:nvPr/>
-        </p:nvPicPr>
-        <p:blipFill>
-          <a:blip r:embed="rId4">
-            <a:extLst>
-              <a:ext uri="{28A0092B-C50C-407E-A947-70E740481C1C}">
-                <a14:useLocalDpi xmlns:a14="http://schemas.microsoft.com/office/drawing/2010/main" val="0"/>
-              </a:ext>
-            </a:extLst>
-          </a:blip>
-          <a:stretch>
-            <a:fillRect/>
-          </a:stretch>
-        </p:blipFill>
-        <p:spPr>
-          <a:xfrm>
-            <a:off x="9725530" y="4875503"/>
-            <a:ext cx="2136179" cy="1982497"/>
-          </a:xfrm>
-          <a:prstGeom prst="rect">
-            <a:avLst/>
-          </a:prstGeom>
-        </p:spPr>
-      </p:pic>
+        </p:txBody>
+      </p:sp>
     </p:spTree>
     <p:extLst>
       <p:ext uri="{BB962C8B-B14F-4D97-AF65-F5344CB8AC3E}">
-        <p14:creationId xmlns:p14="http://schemas.microsoft.com/office/powerpoint/2010/main" val="4132271267"/>
+        <p14:creationId xmlns:p14="http://schemas.microsoft.com/office/powerpoint/2010/main" val="52498974"/>
       </p:ext>
     </p:extLst>
   </p:cSld>
@@ -5558,29 +4223,19 @@
             <p:ph type="title"/>
           </p:nvPr>
         </p:nvSpPr>
-        <p:spPr>
-          <a:xfrm>
-            <a:off x="402210" y="365125"/>
-            <a:ext cx="10951590" cy="1325563"/>
-          </a:xfrm>
-        </p:spPr>
-        <p:txBody>
-          <a:bodyPr/>
-          <a:lstStyle/>
-          <a:p>
-            <a:r>
-              <a:rPr lang="en-US" altLang="zh-CN" dirty="0">
+        <p:spPr/>
+        <p:txBody>
+          <a:bodyPr/>
+          <a:lstStyle/>
+          <a:p>
+            <a:r>
+              <a:rPr lang="zh-CN" altLang="en-US" dirty="0">
                 <a:latin typeface="Times New Roman" panose="02020603050405020304" pitchFamily="18" charset="0"/>
                 <a:ea typeface="宋体" panose="02010600030101010101" pitchFamily="2" charset="-122"/>
                 <a:cs typeface="Times New Roman" panose="02020603050405020304" pitchFamily="18" charset="0"/>
               </a:rPr>
-              <a:t>Method</a:t>
-            </a:r>
-            <a:endParaRPr lang="zh-CN" altLang="en-US" dirty="0">
-              <a:latin typeface="Times New Roman" panose="02020603050405020304" pitchFamily="18" charset="0"/>
-              <a:ea typeface="宋体" panose="02010600030101010101" pitchFamily="2" charset="-122"/>
-              <a:cs typeface="Times New Roman" panose="02020603050405020304" pitchFamily="18" charset="0"/>
-            </a:endParaRPr>
+              <a:t>下周计划</a:t>
+            </a:r>
           </a:p>
         </p:txBody>
       </p:sp>
@@ -5594,429 +4249,45 @@
             <p:ph idx="1"/>
           </p:nvPr>
         </p:nvSpPr>
-        <p:spPr>
-          <a:xfrm>
-            <a:off x="402210" y="1806771"/>
-            <a:ext cx="11387580" cy="4351338"/>
-          </a:xfrm>
-        </p:spPr>
-        <p:txBody>
-          <a:bodyPr>
-            <a:normAutofit fontScale="92500" lnSpcReduction="10000"/>
-          </a:bodyPr>
-          <a:lstStyle/>
-          <a:p>
-            <a:pPr marL="0" lvl="1" indent="0" fontAlgn="auto">
+        <p:spPr/>
+        <p:txBody>
+          <a:bodyPr/>
+          <a:lstStyle/>
+          <a:p>
+            <a:pPr marL="457200" lvl="1" indent="-457200" fontAlgn="auto">
               <a:lnSpc>
                 <a:spcPct val="150000"/>
               </a:lnSpc>
-              <a:buNone/>
+              <a:buAutoNum type="arabicPeriod"/>
             </a:pPr>
             <a:r>
-              <a:rPr lang="en-US" altLang="zh-CN" dirty="0">
+              <a:rPr lang="zh-CN" altLang="en-US" sz="2000" dirty="0">
                 <a:latin typeface="Times New Roman" panose="02020603050405020304" pitchFamily="18" charset="0"/>
                 <a:ea typeface="宋体" panose="02010600030101010101" pitchFamily="2" charset="-122"/>
                 <a:cs typeface="Times New Roman" panose="02020603050405020304" pitchFamily="18" charset="0"/>
                 <a:sym typeface="+mn-ea"/>
               </a:rPr>
-              <a:t>5. View directions</a:t>
-            </a:r>
-          </a:p>
-          <a:p>
-            <a:pPr marL="0" lvl="1" indent="0" fontAlgn="auto">
-              <a:lnSpc>
-                <a:spcPct val="150000"/>
-              </a:lnSpc>
-              <a:buNone/>
-            </a:pPr>
-            <a:r>
-              <a:rPr lang="en-US" altLang="zh-CN" dirty="0">
+              <a:t>修改</a:t>
+            </a:r>
+            <a:r>
+              <a:rPr lang="zh-CN" altLang="en-US" sz="2000">
                 <a:latin typeface="Times New Roman" panose="02020603050405020304" pitchFamily="18" charset="0"/>
                 <a:ea typeface="宋体" panose="02010600030101010101" pitchFamily="2" charset="-122"/>
                 <a:cs typeface="Times New Roman" panose="02020603050405020304" pitchFamily="18" charset="0"/>
                 <a:sym typeface="+mn-ea"/>
               </a:rPr>
-              <a:t> (1) Down.</a:t>
-            </a:r>
-          </a:p>
-          <a:p>
-            <a:pPr marL="0" lvl="1" indent="0" fontAlgn="auto">
-              <a:lnSpc>
-                <a:spcPct val="150000"/>
-              </a:lnSpc>
-              <a:buNone/>
-            </a:pPr>
-            <a:r>
-              <a:rPr lang="en-US" altLang="zh-CN" dirty="0">
-                <a:latin typeface="Times New Roman" panose="02020603050405020304" pitchFamily="18" charset="0"/>
-                <a:ea typeface="宋体" panose="02010600030101010101" pitchFamily="2" charset="-122"/>
-                <a:cs typeface="Times New Roman" panose="02020603050405020304" pitchFamily="18" charset="0"/>
-                <a:sym typeface="+mn-ea"/>
-              </a:rPr>
-              <a:t> (2) Straight.</a:t>
-            </a:r>
-          </a:p>
-          <a:p>
-            <a:pPr marL="0" lvl="1" indent="0" fontAlgn="auto">
-              <a:lnSpc>
-                <a:spcPct val="150000"/>
-              </a:lnSpc>
-              <a:buNone/>
-            </a:pPr>
-            <a:r>
-              <a:rPr lang="en-US" altLang="zh-CN" dirty="0">
-                <a:latin typeface="Times New Roman" panose="02020603050405020304" pitchFamily="18" charset="0"/>
-                <a:ea typeface="宋体" panose="02010600030101010101" pitchFamily="2" charset="-122"/>
-                <a:cs typeface="Times New Roman" panose="02020603050405020304" pitchFamily="18" charset="0"/>
-                <a:sym typeface="+mn-ea"/>
-              </a:rPr>
-              <a:t> (3) Looking around in the environment.</a:t>
-            </a:r>
-          </a:p>
-          <a:p>
-            <a:pPr marL="0" lvl="1" indent="0" fontAlgn="auto">
-              <a:lnSpc>
-                <a:spcPct val="150000"/>
-              </a:lnSpc>
-              <a:buNone/>
-            </a:pPr>
-            <a:r>
-              <a:rPr lang="en-US" altLang="zh-CN" dirty="0">
-                <a:latin typeface="Times New Roman" panose="02020603050405020304" pitchFamily="18" charset="0"/>
-                <a:ea typeface="宋体" panose="02010600030101010101" pitchFamily="2" charset="-122"/>
-                <a:cs typeface="Times New Roman" panose="02020603050405020304" pitchFamily="18" charset="0"/>
-                <a:sym typeface="+mn-ea"/>
-              </a:rPr>
-              <a:t>6. Measures</a:t>
-            </a:r>
-          </a:p>
-          <a:p>
-            <a:pPr marL="0" lvl="1" indent="0" fontAlgn="auto">
-              <a:lnSpc>
-                <a:spcPct val="150000"/>
-              </a:lnSpc>
-              <a:buNone/>
-            </a:pPr>
-            <a:r>
-              <a:rPr lang="en-US" altLang="zh-CN" dirty="0">
-                <a:latin typeface="Times New Roman" panose="02020603050405020304" pitchFamily="18" charset="0"/>
-                <a:ea typeface="宋体" panose="02010600030101010101" pitchFamily="2" charset="-122"/>
-                <a:cs typeface="Times New Roman" panose="02020603050405020304" pitchFamily="18" charset="0"/>
-                <a:sym typeface="+mn-ea"/>
-              </a:rPr>
-              <a:t> (1) Gait parameters: stride length, step width, stride time, coefficient of variation.</a:t>
-            </a:r>
-          </a:p>
-          <a:p>
-            <a:pPr marL="0" lvl="1" indent="0" fontAlgn="auto">
-              <a:lnSpc>
-                <a:spcPct val="150000"/>
-              </a:lnSpc>
-              <a:buNone/>
-            </a:pPr>
-            <a:r>
-              <a:rPr lang="en-US" altLang="zh-CN" dirty="0">
-                <a:latin typeface="Times New Roman" panose="02020603050405020304" pitchFamily="18" charset="0"/>
-                <a:ea typeface="宋体" panose="02010600030101010101" pitchFamily="2" charset="-122"/>
-                <a:cs typeface="Times New Roman" panose="02020603050405020304" pitchFamily="18" charset="0"/>
-                <a:sym typeface="+mn-ea"/>
-              </a:rPr>
-              <a:t> (2) </a:t>
-            </a:r>
-            <a:r>
-              <a:rPr lang="en-US" altLang="zh-CN" dirty="0" err="1">
-                <a:latin typeface="Times New Roman" panose="02020603050405020304" pitchFamily="18" charset="0"/>
-                <a:ea typeface="宋体" panose="02010600030101010101" pitchFamily="2" charset="-122"/>
-                <a:cs typeface="Times New Roman" panose="02020603050405020304" pitchFamily="18" charset="0"/>
-                <a:sym typeface="+mn-ea"/>
-              </a:rPr>
-              <a:t>AttrakDiff</a:t>
-            </a:r>
-            <a:r>
-              <a:rPr lang="en-US" altLang="zh-CN" dirty="0">
-                <a:latin typeface="Times New Roman" panose="02020603050405020304" pitchFamily="18" charset="0"/>
-                <a:ea typeface="宋体" panose="02010600030101010101" pitchFamily="2" charset="-122"/>
-                <a:cs typeface="Times New Roman" panose="02020603050405020304" pitchFamily="18" charset="0"/>
-                <a:sym typeface="+mn-ea"/>
-              </a:rPr>
-              <a:t> questionnaire.</a:t>
-            </a:r>
-          </a:p>
-          <a:p>
-            <a:pPr marL="0" lvl="1" indent="0" fontAlgn="auto">
-              <a:lnSpc>
-                <a:spcPct val="150000"/>
-              </a:lnSpc>
-              <a:buNone/>
-            </a:pPr>
-            <a:r>
-              <a:rPr lang="en-US" altLang="zh-CN" dirty="0">
-                <a:latin typeface="Times New Roman" panose="02020603050405020304" pitchFamily="18" charset="0"/>
-                <a:ea typeface="宋体" panose="02010600030101010101" pitchFamily="2" charset="-122"/>
-                <a:cs typeface="Times New Roman" panose="02020603050405020304" pitchFamily="18" charset="0"/>
-                <a:sym typeface="+mn-ea"/>
-              </a:rPr>
-              <a:t> (3) Witmer and Singer presence questionnaire.</a:t>
-            </a:r>
-          </a:p>
-          <a:p>
-            <a:pPr marL="0" lvl="1" indent="0" fontAlgn="auto">
-              <a:lnSpc>
-                <a:spcPct val="150000"/>
-              </a:lnSpc>
-              <a:buNone/>
-            </a:pPr>
-            <a:endParaRPr lang="en-US" altLang="zh-CN" dirty="0">
+              <a:t>毕业论文。</a:t>
+            </a:r>
+            <a:endParaRPr lang="en-US" altLang="zh-CN" sz="2000" dirty="0">
               <a:latin typeface="Times New Roman" panose="02020603050405020304" pitchFamily="18" charset="0"/>
               <a:ea typeface="宋体" panose="02010600030101010101" pitchFamily="2" charset="-122"/>
               <a:cs typeface="Times New Roman" panose="02020603050405020304" pitchFamily="18" charset="0"/>
               <a:sym typeface="+mn-ea"/>
             </a:endParaRPr>
           </a:p>
-          <a:p>
-            <a:pPr marL="0" lvl="1" indent="0" fontAlgn="auto">
-              <a:lnSpc>
-                <a:spcPct val="150000"/>
-              </a:lnSpc>
-              <a:buNone/>
-            </a:pPr>
-            <a:endParaRPr lang="en-US" altLang="zh-CN" dirty="0">
-              <a:latin typeface="Times New Roman" panose="02020603050405020304" pitchFamily="18" charset="0"/>
-              <a:ea typeface="宋体" panose="02010600030101010101" pitchFamily="2" charset="-122"/>
-              <a:cs typeface="Times New Roman" panose="02020603050405020304" pitchFamily="18" charset="0"/>
-              <a:sym typeface="+mn-ea"/>
-            </a:endParaRPr>
-          </a:p>
-          <a:p>
-            <a:pPr marL="0" lvl="1" indent="0" fontAlgn="auto">
-              <a:lnSpc>
-                <a:spcPct val="150000"/>
-              </a:lnSpc>
-              <a:buNone/>
-            </a:pPr>
-            <a:endParaRPr lang="en-US" altLang="zh-CN" dirty="0">
-              <a:latin typeface="Times New Roman" panose="02020603050405020304" pitchFamily="18" charset="0"/>
-              <a:ea typeface="宋体" panose="02010600030101010101" pitchFamily="2" charset="-122"/>
-              <a:cs typeface="Times New Roman" panose="02020603050405020304" pitchFamily="18" charset="0"/>
-              <a:sym typeface="+mn-ea"/>
-            </a:endParaRPr>
-          </a:p>
         </p:txBody>
       </p:sp>
     </p:spTree>
-    <p:extLst>
-      <p:ext uri="{BB962C8B-B14F-4D97-AF65-F5344CB8AC3E}">
-        <p14:creationId xmlns:p14="http://schemas.microsoft.com/office/powerpoint/2010/main" val="4249891841"/>
-      </p:ext>
-    </p:extLst>
-  </p:cSld>
-  <p:clrMapOvr>
-    <a:masterClrMapping/>
-  </p:clrMapOvr>
-</p:sld>
-</file>
-
-<file path=ppt/slides/slide8.xml><?xml version="1.0" encoding="utf-8"?>
-<p:sld xmlns:a="http://schemas.openxmlformats.org/drawingml/2006/main" xmlns:r="http://schemas.openxmlformats.org/officeDocument/2006/relationships" xmlns:p="http://schemas.openxmlformats.org/presentationml/2006/main">
-  <p:cSld>
-    <p:spTree>
-      <p:nvGrpSpPr>
-        <p:cNvPr id="1" name=""/>
-        <p:cNvGrpSpPr/>
-        <p:nvPr/>
-      </p:nvGrpSpPr>
-      <p:grpSpPr>
-        <a:xfrm>
-          <a:off x="0" y="0"/>
-          <a:ext cx="0" cy="0"/>
-          <a:chOff x="0" y="0"/>
-          <a:chExt cx="0" cy="0"/>
-        </a:xfrm>
-      </p:grpSpPr>
-      <p:pic>
-        <p:nvPicPr>
-          <p:cNvPr id="9" name="图片 8" descr="图示&#10;&#10;描述已自动生成">
-            <a:extLst>
-              <a:ext uri="{FF2B5EF4-FFF2-40B4-BE49-F238E27FC236}">
-                <a16:creationId xmlns:a16="http://schemas.microsoft.com/office/drawing/2014/main" id="{FD6C03A0-955B-49F0-9FAA-7804475BBF0A}"/>
-              </a:ext>
-            </a:extLst>
-          </p:cNvPr>
-          <p:cNvPicPr>
-            <a:picLocks noChangeAspect="1"/>
-          </p:cNvPicPr>
-          <p:nvPr/>
-        </p:nvPicPr>
-        <p:blipFill>
-          <a:blip r:embed="rId3">
-            <a:extLst>
-              <a:ext uri="{28A0092B-C50C-407E-A947-70E740481C1C}">
-                <a14:useLocalDpi xmlns:a14="http://schemas.microsoft.com/office/drawing/2010/main" val="0"/>
-              </a:ext>
-            </a:extLst>
-          </a:blip>
-          <a:stretch>
-            <a:fillRect/>
-          </a:stretch>
-        </p:blipFill>
-        <p:spPr>
-          <a:xfrm>
-            <a:off x="3098707" y="169645"/>
-            <a:ext cx="5994586" cy="6688355"/>
-          </a:xfrm>
-          <a:prstGeom prst="rect">
-            <a:avLst/>
-          </a:prstGeom>
-        </p:spPr>
-      </p:pic>
-    </p:spTree>
-    <p:extLst>
-      <p:ext uri="{BB962C8B-B14F-4D97-AF65-F5344CB8AC3E}">
-        <p14:creationId xmlns:p14="http://schemas.microsoft.com/office/powerpoint/2010/main" val="429112855"/>
-      </p:ext>
-    </p:extLst>
-  </p:cSld>
-  <p:clrMapOvr>
-    <a:masterClrMapping/>
-  </p:clrMapOvr>
-</p:sld>
-</file>
-
-<file path=ppt/slides/slide9.xml><?xml version="1.0" encoding="utf-8"?>
-<p:sld xmlns:a="http://schemas.openxmlformats.org/drawingml/2006/main" xmlns:r="http://schemas.openxmlformats.org/officeDocument/2006/relationships" xmlns:p="http://schemas.openxmlformats.org/presentationml/2006/main">
-  <p:cSld>
-    <p:spTree>
-      <p:nvGrpSpPr>
-        <p:cNvPr id="1" name=""/>
-        <p:cNvGrpSpPr/>
-        <p:nvPr/>
-      </p:nvGrpSpPr>
-      <p:grpSpPr>
-        <a:xfrm>
-          <a:off x="0" y="0"/>
-          <a:ext cx="0" cy="0"/>
-          <a:chOff x="0" y="0"/>
-          <a:chExt cx="0" cy="0"/>
-        </a:xfrm>
-      </p:grpSpPr>
-      <p:sp>
-        <p:nvSpPr>
-          <p:cNvPr id="2" name="标题 1"/>
-          <p:cNvSpPr>
-            <a:spLocks noGrp="1"/>
-          </p:cNvSpPr>
-          <p:nvPr>
-            <p:ph type="title"/>
-          </p:nvPr>
-        </p:nvSpPr>
-        <p:spPr>
-          <a:xfrm>
-            <a:off x="402210" y="365125"/>
-            <a:ext cx="10951590" cy="1325563"/>
-          </a:xfrm>
-        </p:spPr>
-        <p:txBody>
-          <a:bodyPr/>
-          <a:lstStyle/>
-          <a:p>
-            <a:r>
-              <a:rPr lang="en-US" altLang="zh-CN">
-                <a:latin typeface="Times New Roman" panose="02020603050405020304" pitchFamily="18" charset="0"/>
-                <a:ea typeface="宋体" panose="02010600030101010101" pitchFamily="2" charset="-122"/>
-                <a:cs typeface="Times New Roman" panose="02020603050405020304" pitchFamily="18" charset="0"/>
-              </a:rPr>
-              <a:t>Results</a:t>
-            </a:r>
-            <a:endParaRPr lang="zh-CN" altLang="en-US" dirty="0">
-              <a:latin typeface="Times New Roman" panose="02020603050405020304" pitchFamily="18" charset="0"/>
-              <a:ea typeface="宋体" panose="02010600030101010101" pitchFamily="2" charset="-122"/>
-              <a:cs typeface="Times New Roman" panose="02020603050405020304" pitchFamily="18" charset="0"/>
-            </a:endParaRPr>
-          </a:p>
-        </p:txBody>
-      </p:sp>
-      <p:sp>
-        <p:nvSpPr>
-          <p:cNvPr id="3" name="内容占位符 2"/>
-          <p:cNvSpPr>
-            <a:spLocks noGrp="1"/>
-          </p:cNvSpPr>
-          <p:nvPr>
-            <p:ph idx="1"/>
-          </p:nvPr>
-        </p:nvSpPr>
-        <p:spPr>
-          <a:xfrm>
-            <a:off x="402210" y="1806771"/>
-            <a:ext cx="11387580" cy="4351338"/>
-          </a:xfrm>
-        </p:spPr>
-        <p:txBody>
-          <a:bodyPr>
-            <a:normAutofit/>
-          </a:bodyPr>
-          <a:lstStyle/>
-          <a:p>
-            <a:pPr marL="0" lvl="1" indent="0" fontAlgn="auto">
-              <a:lnSpc>
-                <a:spcPct val="150000"/>
-              </a:lnSpc>
-              <a:buNone/>
-            </a:pPr>
-            <a:r>
-              <a:rPr lang="en-US" altLang="zh-CN" dirty="0">
-                <a:latin typeface="Times New Roman" panose="02020603050405020304" pitchFamily="18" charset="0"/>
-                <a:ea typeface="宋体" panose="02010600030101010101" pitchFamily="2" charset="-122"/>
-                <a:cs typeface="Times New Roman" panose="02020603050405020304" pitchFamily="18" charset="0"/>
-                <a:sym typeface="+mn-ea"/>
-              </a:rPr>
-              <a:t>1. VR and Vivo.</a:t>
-            </a:r>
-          </a:p>
-        </p:txBody>
-      </p:sp>
-      <p:pic>
-        <p:nvPicPr>
-          <p:cNvPr id="6" name="图片 5" descr="图表&#10;&#10;描述已自动生成">
-            <a:extLst>
-              <a:ext uri="{FF2B5EF4-FFF2-40B4-BE49-F238E27FC236}">
-                <a16:creationId xmlns:a16="http://schemas.microsoft.com/office/drawing/2014/main" id="{029644A8-1D8C-4BC1-9FCF-0645AF1CE976}"/>
-              </a:ext>
-            </a:extLst>
-          </p:cNvPr>
-          <p:cNvPicPr>
-            <a:picLocks noChangeAspect="1"/>
-          </p:cNvPicPr>
-          <p:nvPr/>
-        </p:nvPicPr>
-        <p:blipFill>
-          <a:blip r:embed="rId2">
-            <a:extLst>
-              <a:ext uri="{28A0092B-C50C-407E-A947-70E740481C1C}">
-                <a14:useLocalDpi xmlns:a14="http://schemas.microsoft.com/office/drawing/2010/main" val="0"/>
-              </a:ext>
-            </a:extLst>
-          </a:blip>
-          <a:stretch>
-            <a:fillRect/>
-          </a:stretch>
-        </p:blipFill>
-        <p:spPr>
-          <a:xfrm>
-            <a:off x="782446" y="3223517"/>
-            <a:ext cx="10627108" cy="2558805"/>
-          </a:xfrm>
-          <a:prstGeom prst="rect">
-            <a:avLst/>
-          </a:prstGeom>
-        </p:spPr>
-      </p:pic>
-    </p:spTree>
-    <p:extLst>
-      <p:ext uri="{BB962C8B-B14F-4D97-AF65-F5344CB8AC3E}">
-        <p14:creationId xmlns:p14="http://schemas.microsoft.com/office/powerpoint/2010/main" val="2416834745"/>
-      </p:ext>
-    </p:extLst>
   </p:cSld>
   <p:clrMapOvr>
     <a:masterClrMapping/>
